--- a/Graduation Proposal/Cyberbullypresentation.pptx
+++ b/Graduation Proposal/Cyberbullypresentation.pptx
@@ -15,7 +15,7 @@
     <p:sldId id="256" r:id="rId6"/>
     <p:sldId id="257" r:id="rId7"/>
     <p:sldId id="258" r:id="rId8"/>
-    <p:sldId id="259" r:id="rId9"/>
+    <p:sldId id="275" r:id="rId9"/>
     <p:sldId id="260" r:id="rId10"/>
     <p:sldId id="261" r:id="rId11"/>
     <p:sldId id="262" r:id="rId12"/>
@@ -3442,6 +3442,13 @@
         </dgm:presLayoutVars>
       </dgm:prSet>
       <dgm:spPr/>
+      <dgm:t>
+        <a:bodyPr/>
+        <a:lstStyle/>
+        <a:p>
+          <a:endParaRPr lang="en-US"/>
+        </a:p>
+      </dgm:t>
     </dgm:pt>
     <dgm:pt modelId="{330858EE-B309-4A73-AEC6-786C02D40C14}" type="pres">
       <dgm:prSet presAssocID="{8A66C8D6-201A-4E52-A4BC-8470D79CE1DA}" presName="dummyMaxCanvas" presStyleCnt="0">
@@ -3456,6 +3463,13 @@
         </dgm:presLayoutVars>
       </dgm:prSet>
       <dgm:spPr/>
+      <dgm:t>
+        <a:bodyPr/>
+        <a:lstStyle/>
+        <a:p>
+          <a:endParaRPr lang="en-US"/>
+        </a:p>
+      </dgm:t>
     </dgm:pt>
     <dgm:pt modelId="{D17B1996-C327-4802-AA7A-A5560DA76C88}" type="pres">
       <dgm:prSet presAssocID="{8A66C8D6-201A-4E52-A4BC-8470D79CE1DA}" presName="FourNodes_2" presStyleLbl="node1" presStyleIdx="1" presStyleCnt="4">
@@ -3464,6 +3478,13 @@
         </dgm:presLayoutVars>
       </dgm:prSet>
       <dgm:spPr/>
+      <dgm:t>
+        <a:bodyPr/>
+        <a:lstStyle/>
+        <a:p>
+          <a:endParaRPr lang="en-US"/>
+        </a:p>
+      </dgm:t>
     </dgm:pt>
     <dgm:pt modelId="{3D95CA79-E897-4494-B86C-0B2A227C4B0F}" type="pres">
       <dgm:prSet presAssocID="{8A66C8D6-201A-4E52-A4BC-8470D79CE1DA}" presName="FourNodes_3" presStyleLbl="node1" presStyleIdx="2" presStyleCnt="4">
@@ -3472,6 +3493,13 @@
         </dgm:presLayoutVars>
       </dgm:prSet>
       <dgm:spPr/>
+      <dgm:t>
+        <a:bodyPr/>
+        <a:lstStyle/>
+        <a:p>
+          <a:endParaRPr lang="en-US"/>
+        </a:p>
+      </dgm:t>
     </dgm:pt>
     <dgm:pt modelId="{A1F2972E-F624-4BAE-AA1E-26EA20EAC369}" type="pres">
       <dgm:prSet presAssocID="{8A66C8D6-201A-4E52-A4BC-8470D79CE1DA}" presName="FourNodes_4" presStyleLbl="node1" presStyleIdx="3" presStyleCnt="4">
@@ -3480,6 +3508,13 @@
         </dgm:presLayoutVars>
       </dgm:prSet>
       <dgm:spPr/>
+      <dgm:t>
+        <a:bodyPr/>
+        <a:lstStyle/>
+        <a:p>
+          <a:endParaRPr lang="en-US"/>
+        </a:p>
+      </dgm:t>
     </dgm:pt>
     <dgm:pt modelId="{C31F379E-621E-4D94-81E5-B865CC4BD481}" type="pres">
       <dgm:prSet presAssocID="{8A66C8D6-201A-4E52-A4BC-8470D79CE1DA}" presName="FourConn_1-2" presStyleLbl="fgAccFollowNode1" presStyleIdx="0" presStyleCnt="3">
@@ -3488,6 +3523,13 @@
         </dgm:presLayoutVars>
       </dgm:prSet>
       <dgm:spPr/>
+      <dgm:t>
+        <a:bodyPr/>
+        <a:lstStyle/>
+        <a:p>
+          <a:endParaRPr lang="en-US"/>
+        </a:p>
+      </dgm:t>
     </dgm:pt>
     <dgm:pt modelId="{4EB01168-DBA4-4F75-B42B-6A2C9E0C65C5}" type="pres">
       <dgm:prSet presAssocID="{8A66C8D6-201A-4E52-A4BC-8470D79CE1DA}" presName="FourConn_2-3" presStyleLbl="fgAccFollowNode1" presStyleIdx="1" presStyleCnt="3">
@@ -3496,6 +3538,13 @@
         </dgm:presLayoutVars>
       </dgm:prSet>
       <dgm:spPr/>
+      <dgm:t>
+        <a:bodyPr/>
+        <a:lstStyle/>
+        <a:p>
+          <a:endParaRPr lang="en-US"/>
+        </a:p>
+      </dgm:t>
     </dgm:pt>
     <dgm:pt modelId="{1052C56A-32D1-42F4-B8A6-9F006D472FBA}" type="pres">
       <dgm:prSet presAssocID="{8A66C8D6-201A-4E52-A4BC-8470D79CE1DA}" presName="FourConn_3-4" presStyleLbl="fgAccFollowNode1" presStyleIdx="2" presStyleCnt="3">
@@ -3504,6 +3553,13 @@
         </dgm:presLayoutVars>
       </dgm:prSet>
       <dgm:spPr/>
+      <dgm:t>
+        <a:bodyPr/>
+        <a:lstStyle/>
+        <a:p>
+          <a:endParaRPr lang="en-US"/>
+        </a:p>
+      </dgm:t>
     </dgm:pt>
     <dgm:pt modelId="{95FB41FE-595C-4739-9085-85CF0A231C60}" type="pres">
       <dgm:prSet presAssocID="{8A66C8D6-201A-4E52-A4BC-8470D79CE1DA}" presName="FourNodes_1_text" presStyleLbl="node1" presStyleIdx="3" presStyleCnt="4">
@@ -3512,6 +3568,13 @@
         </dgm:presLayoutVars>
       </dgm:prSet>
       <dgm:spPr/>
+      <dgm:t>
+        <a:bodyPr/>
+        <a:lstStyle/>
+        <a:p>
+          <a:endParaRPr lang="en-US"/>
+        </a:p>
+      </dgm:t>
     </dgm:pt>
     <dgm:pt modelId="{6CC235FB-C114-4895-AF5A-71C906A7E917}" type="pres">
       <dgm:prSet presAssocID="{8A66C8D6-201A-4E52-A4BC-8470D79CE1DA}" presName="FourNodes_2_text" presStyleLbl="node1" presStyleIdx="3" presStyleCnt="4">
@@ -3520,6 +3583,13 @@
         </dgm:presLayoutVars>
       </dgm:prSet>
       <dgm:spPr/>
+      <dgm:t>
+        <a:bodyPr/>
+        <a:lstStyle/>
+        <a:p>
+          <a:endParaRPr lang="en-US"/>
+        </a:p>
+      </dgm:t>
     </dgm:pt>
     <dgm:pt modelId="{9024C8D0-A5C9-4EA5-8C61-F48CAFB57E5C}" type="pres">
       <dgm:prSet presAssocID="{8A66C8D6-201A-4E52-A4BC-8470D79CE1DA}" presName="FourNodes_3_text" presStyleLbl="node1" presStyleIdx="3" presStyleCnt="4">
@@ -3528,6 +3598,13 @@
         </dgm:presLayoutVars>
       </dgm:prSet>
       <dgm:spPr/>
+      <dgm:t>
+        <a:bodyPr/>
+        <a:lstStyle/>
+        <a:p>
+          <a:endParaRPr lang="en-US"/>
+        </a:p>
+      </dgm:t>
     </dgm:pt>
     <dgm:pt modelId="{621DD3E9-7436-4027-A775-149061B7416C}" type="pres">
       <dgm:prSet presAssocID="{8A66C8D6-201A-4E52-A4BC-8470D79CE1DA}" presName="FourNodes_4_text" presStyleLbl="node1" presStyleIdx="3" presStyleCnt="4">
@@ -3536,37 +3613,44 @@
         </dgm:presLayoutVars>
       </dgm:prSet>
       <dgm:spPr/>
+      <dgm:t>
+        <a:bodyPr/>
+        <a:lstStyle/>
+        <a:p>
+          <a:endParaRPr lang="en-US"/>
+        </a:p>
+      </dgm:t>
     </dgm:pt>
   </dgm:ptLst>
   <dgm:cxnLst>
+    <dgm:cxn modelId="{29A8789C-186A-4891-AE83-8BE1500998A3}" srcId="{8A66C8D6-201A-4E52-A4BC-8470D79CE1DA}" destId="{60215ECD-7FFD-45B7-82F3-DD5C2E144A8F}" srcOrd="1" destOrd="0" parTransId="{F7A93F31-809E-48F6-BA86-D44A5EDD3415}" sibTransId="{09CA6511-8E1F-437E-8E3E-B190A92A1704}"/>
+    <dgm:cxn modelId="{10410637-E03C-4EA6-90EF-737BDE5F45A4}" type="presOf" srcId="{B4D2CDE3-E28F-48E6-84B0-D7548B11DD1D}" destId="{9024C8D0-A5C9-4EA5-8C61-F48CAFB57E5C}" srcOrd="1" destOrd="1" presId="urn:microsoft.com/office/officeart/2005/8/layout/vProcess5"/>
+    <dgm:cxn modelId="{77D0837F-DF40-40EE-8A90-B1F51ECB291A}" type="presOf" srcId="{A2FF43E7-12B6-4FC3-8A78-A3C258F057BF}" destId="{95FB41FE-595C-4739-9085-85CF0A231C60}" srcOrd="1" destOrd="1" presId="urn:microsoft.com/office/officeart/2005/8/layout/vProcess5"/>
+    <dgm:cxn modelId="{8D94A78F-EAD6-4CF3-AD02-D57B409CEA2F}" type="presOf" srcId="{A2FF43E7-12B6-4FC3-8A78-A3C258F057BF}" destId="{9BAF046D-E6EE-4F80-B341-BA32C5D338E9}" srcOrd="0" destOrd="1" presId="urn:microsoft.com/office/officeart/2005/8/layout/vProcess5"/>
+    <dgm:cxn modelId="{15EB53AC-04F1-4460-AE0C-257EDD1F8897}" type="presOf" srcId="{60215ECD-7FFD-45B7-82F3-DD5C2E144A8F}" destId="{D17B1996-C327-4802-AA7A-A5560DA76C88}" srcOrd="0" destOrd="0" presId="urn:microsoft.com/office/officeart/2005/8/layout/vProcess5"/>
+    <dgm:cxn modelId="{F735A248-9252-490A-9BAE-23484B51C096}" type="presOf" srcId="{09CA6511-8E1F-437E-8E3E-B190A92A1704}" destId="{4EB01168-DBA4-4F75-B42B-6A2C9E0C65C5}" srcOrd="0" destOrd="0" presId="urn:microsoft.com/office/officeart/2005/8/layout/vProcess5"/>
+    <dgm:cxn modelId="{B990CF2A-66A0-4BCC-80AB-6A6FE9AB87CD}" type="presOf" srcId="{C04C8E80-83F7-438C-BCFD-6BCF3DA34C8A}" destId="{1052C56A-32D1-42F4-B8A6-9F006D472FBA}" srcOrd="0" destOrd="0" presId="urn:microsoft.com/office/officeart/2005/8/layout/vProcess5"/>
+    <dgm:cxn modelId="{74D6BF7E-597A-4115-AB97-FCA89AD94E41}" type="presOf" srcId="{DA624E31-6B5F-4A02-89C0-6FB8A2000F1D}" destId="{C31F379E-621E-4D94-81E5-B865CC4BD481}" srcOrd="0" destOrd="0" presId="urn:microsoft.com/office/officeart/2005/8/layout/vProcess5"/>
+    <dgm:cxn modelId="{EDB79033-FD0E-4E74-9D80-F3D2C957A01F}" srcId="{9ABB07AE-D666-4C51-B442-2127785AA3CE}" destId="{D9DDFF8E-5DC5-44F6-A137-9ACC5374AB06}" srcOrd="0" destOrd="0" parTransId="{1A76CBA4-0051-4542-B4CA-DDE0360A4B52}" sibTransId="{6E8C1253-924A-4532-B2CB-DFD164848D91}"/>
     <dgm:cxn modelId="{B8496E01-0D94-4B17-B390-C82A5A6DE540}" type="presOf" srcId="{B4D2CDE3-E28F-48E6-84B0-D7548B11DD1D}" destId="{3D95CA79-E897-4494-B86C-0B2A227C4B0F}" srcOrd="0" destOrd="1" presId="urn:microsoft.com/office/officeart/2005/8/layout/vProcess5"/>
+    <dgm:cxn modelId="{D5A20DC8-4088-440C-BC99-F3AE77F24B82}" type="presOf" srcId="{0430A663-97B1-407A-8918-BE63FF487321}" destId="{6CC235FB-C114-4895-AF5A-71C906A7E917}" srcOrd="1" destOrd="1" presId="urn:microsoft.com/office/officeart/2005/8/layout/vProcess5"/>
     <dgm:cxn modelId="{C61DB401-A29B-4E7B-9B5C-B0428AC2B02D}" srcId="{8A66C8D6-201A-4E52-A4BC-8470D79CE1DA}" destId="{E1E17D54-3978-44D6-B190-7647662E5097}" srcOrd="2" destOrd="0" parTransId="{802EF3BB-660D-4A6B-ADE1-2914CD2E6DB4}" sibTransId="{C04C8E80-83F7-438C-BCFD-6BCF3DA34C8A}"/>
+    <dgm:cxn modelId="{1B81E2AF-5CCC-41EA-AF10-BC5A3B3059EF}" srcId="{8A66C8D6-201A-4E52-A4BC-8470D79CE1DA}" destId="{D65E17EA-74B3-405C-9783-8B9C2EAFF3CD}" srcOrd="0" destOrd="0" parTransId="{539EE390-B801-415F-9100-B27C8E017C94}" sibTransId="{DA624E31-6B5F-4A02-89C0-6FB8A2000F1D}"/>
+    <dgm:cxn modelId="{EAF56454-B5C2-4AE7-A399-70C88501F642}" type="presOf" srcId="{9ABB07AE-D666-4C51-B442-2127785AA3CE}" destId="{621DD3E9-7436-4027-A775-149061B7416C}" srcOrd="1" destOrd="0" presId="urn:microsoft.com/office/officeart/2005/8/layout/vProcess5"/>
+    <dgm:cxn modelId="{70A8DBD5-77CB-4A6D-A77D-517749C860A6}" type="presOf" srcId="{9ABB07AE-D666-4C51-B442-2127785AA3CE}" destId="{A1F2972E-F624-4BAE-AA1E-26EA20EAC369}" srcOrd="0" destOrd="0" presId="urn:microsoft.com/office/officeart/2005/8/layout/vProcess5"/>
     <dgm:cxn modelId="{71A91E0C-B8B8-498C-A6FC-3174B3A1126D}" type="presOf" srcId="{0430A663-97B1-407A-8918-BE63FF487321}" destId="{D17B1996-C327-4802-AA7A-A5560DA76C88}" srcOrd="0" destOrd="1" presId="urn:microsoft.com/office/officeart/2005/8/layout/vProcess5"/>
-    <dgm:cxn modelId="{7FA7310E-4E7D-419A-91CE-E5D9349B6E96}" srcId="{8A66C8D6-201A-4E52-A4BC-8470D79CE1DA}" destId="{9ABB07AE-D666-4C51-B442-2127785AA3CE}" srcOrd="3" destOrd="0" parTransId="{81D749D2-AD79-49AC-B616-6A0BFCFE3363}" sibTransId="{9EEB2876-DEF4-409A-92B9-A7CDAB158A9C}"/>
-    <dgm:cxn modelId="{781AD41C-1175-4CEF-BD7A-A61D9ABE1AA5}" srcId="{E1E17D54-3978-44D6-B190-7647662E5097}" destId="{B4D2CDE3-E28F-48E6-84B0-D7548B11DD1D}" srcOrd="0" destOrd="0" parTransId="{10AFF075-7AE4-4C17-882C-5B1D62D4835F}" sibTransId="{02F5CE03-D58B-4E13-A87D-F7B970F72D0C}"/>
+    <dgm:cxn modelId="{23027031-E14D-43CF-A6E1-FECDCFF56D6B}" type="presOf" srcId="{E1E17D54-3978-44D6-B190-7647662E5097}" destId="{9024C8D0-A5C9-4EA5-8C61-F48CAFB57E5C}" srcOrd="1" destOrd="0" presId="urn:microsoft.com/office/officeart/2005/8/layout/vProcess5"/>
     <dgm:cxn modelId="{B3FC701E-2762-40E8-B3BE-CF4316B722E5}" type="presOf" srcId="{60215ECD-7FFD-45B7-82F3-DD5C2E144A8F}" destId="{6CC235FB-C114-4895-AF5A-71C906A7E917}" srcOrd="1" destOrd="0" presId="urn:microsoft.com/office/officeart/2005/8/layout/vProcess5"/>
-    <dgm:cxn modelId="{B990CF2A-66A0-4BCC-80AB-6A6FE9AB87CD}" type="presOf" srcId="{C04C8E80-83F7-438C-BCFD-6BCF3DA34C8A}" destId="{1052C56A-32D1-42F4-B8A6-9F006D472FBA}" srcOrd="0" destOrd="0" presId="urn:microsoft.com/office/officeart/2005/8/layout/vProcess5"/>
-    <dgm:cxn modelId="{23027031-E14D-43CF-A6E1-FECDCFF56D6B}" type="presOf" srcId="{E1E17D54-3978-44D6-B190-7647662E5097}" destId="{9024C8D0-A5C9-4EA5-8C61-F48CAFB57E5C}" srcOrd="1" destOrd="0" presId="urn:microsoft.com/office/officeart/2005/8/layout/vProcess5"/>
-    <dgm:cxn modelId="{EDB79033-FD0E-4E74-9D80-F3D2C957A01F}" srcId="{9ABB07AE-D666-4C51-B442-2127785AA3CE}" destId="{D9DDFF8E-5DC5-44F6-A137-9ACC5374AB06}" srcOrd="0" destOrd="0" parTransId="{1A76CBA4-0051-4542-B4CA-DDE0360A4B52}" sibTransId="{6E8C1253-924A-4532-B2CB-DFD164848D91}"/>
-    <dgm:cxn modelId="{10410637-E03C-4EA6-90EF-737BDE5F45A4}" type="presOf" srcId="{B4D2CDE3-E28F-48E6-84B0-D7548B11DD1D}" destId="{9024C8D0-A5C9-4EA5-8C61-F48CAFB57E5C}" srcOrd="1" destOrd="1" presId="urn:microsoft.com/office/officeart/2005/8/layout/vProcess5"/>
-    <dgm:cxn modelId="{F735A248-9252-490A-9BAE-23484B51C096}" type="presOf" srcId="{09CA6511-8E1F-437E-8E3E-B190A92A1704}" destId="{4EB01168-DBA4-4F75-B42B-6A2C9E0C65C5}" srcOrd="0" destOrd="0" presId="urn:microsoft.com/office/officeart/2005/8/layout/vProcess5"/>
-    <dgm:cxn modelId="{EAF56454-B5C2-4AE7-A399-70C88501F642}" type="presOf" srcId="{9ABB07AE-D666-4C51-B442-2127785AA3CE}" destId="{621DD3E9-7436-4027-A775-149061B7416C}" srcOrd="1" destOrd="0" presId="urn:microsoft.com/office/officeart/2005/8/layout/vProcess5"/>
-    <dgm:cxn modelId="{74D6BF7E-597A-4115-AB97-FCA89AD94E41}" type="presOf" srcId="{DA624E31-6B5F-4A02-89C0-6FB8A2000F1D}" destId="{C31F379E-621E-4D94-81E5-B865CC4BD481}" srcOrd="0" destOrd="0" presId="urn:microsoft.com/office/officeart/2005/8/layout/vProcess5"/>
-    <dgm:cxn modelId="{77D0837F-DF40-40EE-8A90-B1F51ECB291A}" type="presOf" srcId="{A2FF43E7-12B6-4FC3-8A78-A3C258F057BF}" destId="{95FB41FE-595C-4739-9085-85CF0A231C60}" srcOrd="1" destOrd="1" presId="urn:microsoft.com/office/officeart/2005/8/layout/vProcess5"/>
-    <dgm:cxn modelId="{559C1181-AB65-476C-A5BB-42659523268D}" srcId="{D65E17EA-74B3-405C-9783-8B9C2EAFF3CD}" destId="{A2FF43E7-12B6-4FC3-8A78-A3C258F057BF}" srcOrd="0" destOrd="0" parTransId="{15AC0103-F083-401F-864A-087260C322CE}" sibTransId="{92882B93-96B1-4B43-B5E4-7A13736E81A7}"/>
+    <dgm:cxn modelId="{25BBFBCF-1B94-4712-A08E-E7DA8A90A087}" type="presOf" srcId="{D65E17EA-74B3-405C-9783-8B9C2EAFF3CD}" destId="{9BAF046D-E6EE-4F80-B341-BA32C5D338E9}" srcOrd="0" destOrd="0" presId="urn:microsoft.com/office/officeart/2005/8/layout/vProcess5"/>
+    <dgm:cxn modelId="{2B9A46C7-44B3-4785-915C-35EF26FB8F56}" type="presOf" srcId="{D65E17EA-74B3-405C-9783-8B9C2EAFF3CD}" destId="{95FB41FE-595C-4739-9085-85CF0A231C60}" srcOrd="1" destOrd="0" presId="urn:microsoft.com/office/officeart/2005/8/layout/vProcess5"/>
+    <dgm:cxn modelId="{2767288C-FFF9-42D2-BD7E-C11CACC6C694}" srcId="{60215ECD-7FFD-45B7-82F3-DD5C2E144A8F}" destId="{0430A663-97B1-407A-8918-BE63FF487321}" srcOrd="0" destOrd="0" parTransId="{4DD6DE71-723B-432E-BF26-E2072A6D9AFA}" sibTransId="{AE269F2B-2A4C-4E0C-BD5E-61E0766623E7}"/>
     <dgm:cxn modelId="{33286081-91C1-4BF8-9EA2-7F0F4B689501}" type="presOf" srcId="{8A66C8D6-201A-4E52-A4BC-8470D79CE1DA}" destId="{7BA7318D-9786-4D1C-8F46-1B9273369636}" srcOrd="0" destOrd="0" presId="urn:microsoft.com/office/officeart/2005/8/layout/vProcess5"/>
     <dgm:cxn modelId="{A26CB389-75FF-4508-B89F-45FC483EC878}" type="presOf" srcId="{D9DDFF8E-5DC5-44F6-A137-9ACC5374AB06}" destId="{621DD3E9-7436-4027-A775-149061B7416C}" srcOrd="1" destOrd="1" presId="urn:microsoft.com/office/officeart/2005/8/layout/vProcess5"/>
-    <dgm:cxn modelId="{2767288C-FFF9-42D2-BD7E-C11CACC6C694}" srcId="{60215ECD-7FFD-45B7-82F3-DD5C2E144A8F}" destId="{0430A663-97B1-407A-8918-BE63FF487321}" srcOrd="0" destOrd="0" parTransId="{4DD6DE71-723B-432E-BF26-E2072A6D9AFA}" sibTransId="{AE269F2B-2A4C-4E0C-BD5E-61E0766623E7}"/>
-    <dgm:cxn modelId="{8D94A78F-EAD6-4CF3-AD02-D57B409CEA2F}" type="presOf" srcId="{A2FF43E7-12B6-4FC3-8A78-A3C258F057BF}" destId="{9BAF046D-E6EE-4F80-B341-BA32C5D338E9}" srcOrd="0" destOrd="1" presId="urn:microsoft.com/office/officeart/2005/8/layout/vProcess5"/>
-    <dgm:cxn modelId="{29A8789C-186A-4891-AE83-8BE1500998A3}" srcId="{8A66C8D6-201A-4E52-A4BC-8470D79CE1DA}" destId="{60215ECD-7FFD-45B7-82F3-DD5C2E144A8F}" srcOrd="1" destOrd="0" parTransId="{F7A93F31-809E-48F6-BA86-D44A5EDD3415}" sibTransId="{09CA6511-8E1F-437E-8E3E-B190A92A1704}"/>
+    <dgm:cxn modelId="{781AD41C-1175-4CEF-BD7A-A61D9ABE1AA5}" srcId="{E1E17D54-3978-44D6-B190-7647662E5097}" destId="{B4D2CDE3-E28F-48E6-84B0-D7548B11DD1D}" srcOrd="0" destOrd="0" parTransId="{10AFF075-7AE4-4C17-882C-5B1D62D4835F}" sibTransId="{02F5CE03-D58B-4E13-A87D-F7B970F72D0C}"/>
     <dgm:cxn modelId="{08CDE3A6-95C8-469D-9260-D41934B9145A}" type="presOf" srcId="{E1E17D54-3978-44D6-B190-7647662E5097}" destId="{3D95CA79-E897-4494-B86C-0B2A227C4B0F}" srcOrd="0" destOrd="0" presId="urn:microsoft.com/office/officeart/2005/8/layout/vProcess5"/>
-    <dgm:cxn modelId="{15EB53AC-04F1-4460-AE0C-257EDD1F8897}" type="presOf" srcId="{60215ECD-7FFD-45B7-82F3-DD5C2E144A8F}" destId="{D17B1996-C327-4802-AA7A-A5560DA76C88}" srcOrd="0" destOrd="0" presId="urn:microsoft.com/office/officeart/2005/8/layout/vProcess5"/>
-    <dgm:cxn modelId="{1B81E2AF-5CCC-41EA-AF10-BC5A3B3059EF}" srcId="{8A66C8D6-201A-4E52-A4BC-8470D79CE1DA}" destId="{D65E17EA-74B3-405C-9783-8B9C2EAFF3CD}" srcOrd="0" destOrd="0" parTransId="{539EE390-B801-415F-9100-B27C8E017C94}" sibTransId="{DA624E31-6B5F-4A02-89C0-6FB8A2000F1D}"/>
-    <dgm:cxn modelId="{2B9A46C7-44B3-4785-915C-35EF26FB8F56}" type="presOf" srcId="{D65E17EA-74B3-405C-9783-8B9C2EAFF3CD}" destId="{95FB41FE-595C-4739-9085-85CF0A231C60}" srcOrd="1" destOrd="0" presId="urn:microsoft.com/office/officeart/2005/8/layout/vProcess5"/>
-    <dgm:cxn modelId="{D5A20DC8-4088-440C-BC99-F3AE77F24B82}" type="presOf" srcId="{0430A663-97B1-407A-8918-BE63FF487321}" destId="{6CC235FB-C114-4895-AF5A-71C906A7E917}" srcOrd="1" destOrd="1" presId="urn:microsoft.com/office/officeart/2005/8/layout/vProcess5"/>
-    <dgm:cxn modelId="{25BBFBCF-1B94-4712-A08E-E7DA8A90A087}" type="presOf" srcId="{D65E17EA-74B3-405C-9783-8B9C2EAFF3CD}" destId="{9BAF046D-E6EE-4F80-B341-BA32C5D338E9}" srcOrd="0" destOrd="0" presId="urn:microsoft.com/office/officeart/2005/8/layout/vProcess5"/>
-    <dgm:cxn modelId="{70A8DBD5-77CB-4A6D-A77D-517749C860A6}" type="presOf" srcId="{9ABB07AE-D666-4C51-B442-2127785AA3CE}" destId="{A1F2972E-F624-4BAE-AA1E-26EA20EAC369}" srcOrd="0" destOrd="0" presId="urn:microsoft.com/office/officeart/2005/8/layout/vProcess5"/>
+    <dgm:cxn modelId="{559C1181-AB65-476C-A5BB-42659523268D}" srcId="{D65E17EA-74B3-405C-9783-8B9C2EAFF3CD}" destId="{A2FF43E7-12B6-4FC3-8A78-A3C258F057BF}" srcOrd="0" destOrd="0" parTransId="{15AC0103-F083-401F-864A-087260C322CE}" sibTransId="{92882B93-96B1-4B43-B5E4-7A13736E81A7}"/>
     <dgm:cxn modelId="{361F7EFF-F933-4389-977C-51815116DDB7}" type="presOf" srcId="{D9DDFF8E-5DC5-44F6-A137-9ACC5374AB06}" destId="{A1F2972E-F624-4BAE-AA1E-26EA20EAC369}" srcOrd="0" destOrd="1" presId="urn:microsoft.com/office/officeart/2005/8/layout/vProcess5"/>
+    <dgm:cxn modelId="{7FA7310E-4E7D-419A-91CE-E5D9349B6E96}" srcId="{8A66C8D6-201A-4E52-A4BC-8470D79CE1DA}" destId="{9ABB07AE-D666-4C51-B442-2127785AA3CE}" srcOrd="3" destOrd="0" parTransId="{81D749D2-AD79-49AC-B616-6A0BFCFE3363}" sibTransId="{9EEB2876-DEF4-409A-92B9-A7CDAB158A9C}"/>
     <dgm:cxn modelId="{8B4E702D-EB5B-44DF-AFE1-8FC5DE70C7D4}" type="presParOf" srcId="{7BA7318D-9786-4D1C-8F46-1B9273369636}" destId="{330858EE-B309-4A73-AEC6-786C02D40C14}" srcOrd="0" destOrd="0" presId="urn:microsoft.com/office/officeart/2005/8/layout/vProcess5"/>
     <dgm:cxn modelId="{CA35665F-72D1-4B6A-B364-A5540C2D8FEC}" type="presParOf" srcId="{7BA7318D-9786-4D1C-8F46-1B9273369636}" destId="{9BAF046D-E6EE-4F80-B341-BA32C5D338E9}" srcOrd="1" destOrd="0" presId="urn:microsoft.com/office/officeart/2005/8/layout/vProcess5"/>
     <dgm:cxn modelId="{596AF2C1-73DC-47FC-A872-D1C5537A3E93}" type="presParOf" srcId="{7BA7318D-9786-4D1C-8F46-1B9273369636}" destId="{D17B1996-C327-4802-AA7A-A5560DA76C88}" srcOrd="2" destOrd="0" presId="urn:microsoft.com/office/officeart/2005/8/layout/vProcess5"/>
@@ -3894,6 +3978,13 @@
         </dgm:presLayoutVars>
       </dgm:prSet>
       <dgm:spPr/>
+      <dgm:t>
+        <a:bodyPr/>
+        <a:lstStyle/>
+        <a:p>
+          <a:endParaRPr lang="en-US"/>
+        </a:p>
+      </dgm:t>
     </dgm:pt>
     <dgm:pt modelId="{E203A4FE-4952-443A-BBD5-F80117905AB4}" type="pres">
       <dgm:prSet presAssocID="{462611F6-1095-4EC5-9A17-ADC9EDEFECF5}" presName="composite" presStyleCnt="0"/>
@@ -3912,6 +4003,13 @@
         </dgm:presLayoutVars>
       </dgm:prSet>
       <dgm:spPr/>
+      <dgm:t>
+        <a:bodyPr/>
+        <a:lstStyle/>
+        <a:p>
+          <a:endParaRPr lang="en-US"/>
+        </a:p>
+      </dgm:t>
     </dgm:pt>
     <dgm:pt modelId="{B6A2E5F9-9E77-44E1-884D-CCF3D4D8680C}" type="pres">
       <dgm:prSet presAssocID="{462611F6-1095-4EC5-9A17-ADC9EDEFECF5}" presName="ChildText" presStyleLbl="revTx" presStyleIdx="0" presStyleCnt="3" custScaleX="766139" custLinFactX="100000" custLinFactNeighborX="162935" custLinFactNeighborY="10857">
@@ -3922,6 +4020,13 @@
         </dgm:presLayoutVars>
       </dgm:prSet>
       <dgm:spPr/>
+      <dgm:t>
+        <a:bodyPr/>
+        <a:lstStyle/>
+        <a:p>
+          <a:endParaRPr lang="en-US"/>
+        </a:p>
+      </dgm:t>
     </dgm:pt>
     <dgm:pt modelId="{5F37CAC1-B5C7-45A7-812A-966E83A6E3A9}" type="pres">
       <dgm:prSet presAssocID="{8679350D-2F96-4BDC-B9E6-96A0041FF635}" presName="sibTrans" presStyleCnt="0"/>
@@ -3944,6 +4049,13 @@
         </dgm:presLayoutVars>
       </dgm:prSet>
       <dgm:spPr/>
+      <dgm:t>
+        <a:bodyPr/>
+        <a:lstStyle/>
+        <a:p>
+          <a:endParaRPr lang="en-US"/>
+        </a:p>
+      </dgm:t>
     </dgm:pt>
     <dgm:pt modelId="{ECCBB81D-E257-46CF-AA0F-E29FD2738FAF}" type="pres">
       <dgm:prSet presAssocID="{FEE39227-7CE0-4FB3-B762-44E73F9AFFA8}" presName="ChildText" presStyleLbl="revTx" presStyleIdx="1" presStyleCnt="3" custScaleX="634367" custLinFactX="6748" custLinFactNeighborX="100000" custLinFactNeighborY="450">
@@ -3954,6 +4066,13 @@
         </dgm:presLayoutVars>
       </dgm:prSet>
       <dgm:spPr/>
+      <dgm:t>
+        <a:bodyPr/>
+        <a:lstStyle/>
+        <a:p>
+          <a:endParaRPr lang="en-US"/>
+        </a:p>
+      </dgm:t>
     </dgm:pt>
     <dgm:pt modelId="{4D58F489-B330-43AD-B412-59D6F2ABE835}" type="pres">
       <dgm:prSet presAssocID="{3DD966B1-EF16-486D-9267-AFE69EEBD98C}" presName="sibTrans" presStyleCnt="0"/>
@@ -3976,6 +4095,13 @@
         </dgm:presLayoutVars>
       </dgm:prSet>
       <dgm:spPr/>
+      <dgm:t>
+        <a:bodyPr/>
+        <a:lstStyle/>
+        <a:p>
+          <a:endParaRPr lang="en-US"/>
+        </a:p>
+      </dgm:t>
     </dgm:pt>
     <dgm:pt modelId="{0E89AD7D-CECE-4CC4-B4D1-6CDF8AA6C764}" type="pres">
       <dgm:prSet presAssocID="{CA8E57F2-EE95-4CE9-A5E0-13EF43D13219}" presName="ChildText" presStyleLbl="revTx" presStyleIdx="2" presStyleCnt="3" custScaleX="605666" custLinFactX="24076" custLinFactNeighborX="100000" custLinFactNeighborY="-7458">
@@ -3986,6 +4112,13 @@
         </dgm:presLayoutVars>
       </dgm:prSet>
       <dgm:spPr/>
+      <dgm:t>
+        <a:bodyPr/>
+        <a:lstStyle/>
+        <a:p>
+          <a:endParaRPr lang="en-US"/>
+        </a:p>
+      </dgm:t>
     </dgm:pt>
     <dgm:pt modelId="{69166CE0-CE4B-467C-860B-A01D27119ED9}" type="pres">
       <dgm:prSet presAssocID="{5572914A-B18D-4074-8FB8-41C33D23C62B}" presName="sibTrans" presStyleCnt="0"/>
@@ -4004,24 +4137,31 @@
         </dgm:presLayoutVars>
       </dgm:prSet>
       <dgm:spPr/>
+      <dgm:t>
+        <a:bodyPr/>
+        <a:lstStyle/>
+        <a:p>
+          <a:endParaRPr lang="en-US"/>
+        </a:p>
+      </dgm:t>
     </dgm:pt>
   </dgm:ptLst>
   <dgm:cxnLst>
+    <dgm:cxn modelId="{55B86DD0-BEAA-4EA3-84FF-98098BC1F33A}" type="presOf" srcId="{B1678090-C0D8-4F2C-B395-3BF502531496}" destId="{255E38A8-1A90-4162-8F4F-422E5D30391D}" srcOrd="0" destOrd="0" presId="urn:microsoft.com/office/officeart/2005/8/layout/StepDownProcess"/>
+    <dgm:cxn modelId="{188FB371-664D-4597-8265-1CA846C9B8EF}" srcId="{462611F6-1095-4EC5-9A17-ADC9EDEFECF5}" destId="{C765BE67-E4F8-4992-8C75-E964C4C204D5}" srcOrd="0" destOrd="0" parTransId="{86DEA867-3E88-455F-BC8B-34355FEF42F4}" sibTransId="{D52D8E4B-DA43-4FFB-A5F0-13469DF9F831}"/>
+    <dgm:cxn modelId="{E184A540-8595-43F6-80D4-93718DB5EA43}" type="presOf" srcId="{CA8E57F2-EE95-4CE9-A5E0-13EF43D13219}" destId="{579C2044-1594-452C-A160-42A5E5291DC5}" srcOrd="0" destOrd="0" presId="urn:microsoft.com/office/officeart/2005/8/layout/StepDownProcess"/>
+    <dgm:cxn modelId="{0A8D9BE1-B7F6-4FC6-B1B1-5C9094BB1E0B}" type="presOf" srcId="{FEE39227-7CE0-4FB3-B762-44E73F9AFFA8}" destId="{B1510398-F7F2-4BA7-A97A-42A75D83F516}" srcOrd="0" destOrd="0" presId="urn:microsoft.com/office/officeart/2005/8/layout/StepDownProcess"/>
+    <dgm:cxn modelId="{234266C1-84B0-41F7-B1FF-90D4BF52A921}" srcId="{FEE39227-7CE0-4FB3-B762-44E73F9AFFA8}" destId="{1E45AAAA-A64F-49E1-8FFA-DE6C7E8512FB}" srcOrd="0" destOrd="0" parTransId="{83208FD6-F743-40B4-B06D-0BAD192FCD92}" sibTransId="{F961062A-BA3F-40DF-AD18-FEC3F307783E}"/>
+    <dgm:cxn modelId="{A2DE0F43-FDB9-4ED6-AD48-C4811B9062CC}" srcId="{5DE4E625-DADD-47F8-8F81-D95AA765F3F4}" destId="{B1678090-C0D8-4F2C-B395-3BF502531496}" srcOrd="3" destOrd="0" parTransId="{65E87AFE-DA3A-4019-B772-DE7CF087C546}" sibTransId="{55800261-65DD-4FC5-AD17-7E846717FC39}"/>
+    <dgm:cxn modelId="{A95127DB-CFF3-47F3-A3F8-FF0DEA8CCDCC}" type="presOf" srcId="{C765BE67-E4F8-4992-8C75-E964C4C204D5}" destId="{B6A2E5F9-9E77-44E1-884D-CCF3D4D8680C}" srcOrd="0" destOrd="0" presId="urn:microsoft.com/office/officeart/2005/8/layout/StepDownProcess"/>
+    <dgm:cxn modelId="{FF800635-43D8-4D0D-BC86-B6A360320E61}" srcId="{5DE4E625-DADD-47F8-8F81-D95AA765F3F4}" destId="{462611F6-1095-4EC5-9A17-ADC9EDEFECF5}" srcOrd="0" destOrd="0" parTransId="{16393571-F999-45C5-8EDB-846F1DA4D6A7}" sibTransId="{8679350D-2F96-4BDC-B9E6-96A0041FF635}"/>
+    <dgm:cxn modelId="{9B066FA8-F531-492B-AF2D-ACEF980BF41D}" srcId="{5DE4E625-DADD-47F8-8F81-D95AA765F3F4}" destId="{CA8E57F2-EE95-4CE9-A5E0-13EF43D13219}" srcOrd="2" destOrd="0" parTransId="{A88D0DD6-47D8-401B-ACC0-70EF41009AE1}" sibTransId="{5572914A-B18D-4074-8FB8-41C33D23C62B}"/>
+    <dgm:cxn modelId="{85F643C6-4A20-4B7B-A876-3082FF9A7B1D}" srcId="{5DE4E625-DADD-47F8-8F81-D95AA765F3F4}" destId="{FEE39227-7CE0-4FB3-B762-44E73F9AFFA8}" srcOrd="1" destOrd="0" parTransId="{3F0DCC59-F80F-480D-BA85-8BE24981A5E6}" sibTransId="{3DD966B1-EF16-486D-9267-AFE69EEBD98C}"/>
+    <dgm:cxn modelId="{9DBCCE28-4E6B-478C-B49C-24D8EA1829FF}" srcId="{CA8E57F2-EE95-4CE9-A5E0-13EF43D13219}" destId="{B1B2D101-9136-4DC5-AD6E-35A76367A41D}" srcOrd="0" destOrd="0" parTransId="{0C12CBFE-A1BB-4532-9260-CD7A4152DF0F}" sibTransId="{AAC1FC53-36BB-42E6-AE1F-530560484D93}"/>
+    <dgm:cxn modelId="{030B339A-0C8F-40C6-BBA5-98680797A7E5}" type="presOf" srcId="{462611F6-1095-4EC5-9A17-ADC9EDEFECF5}" destId="{C64E675A-0F4E-48D6-91D1-F7DA85674204}" srcOrd="0" destOrd="0" presId="urn:microsoft.com/office/officeart/2005/8/layout/StepDownProcess"/>
+    <dgm:cxn modelId="{3F75CC5C-8CEB-4298-9C0B-C7D2CF2BF558}" type="presOf" srcId="{1E45AAAA-A64F-49E1-8FFA-DE6C7E8512FB}" destId="{ECCBB81D-E257-46CF-AA0F-E29FD2738FAF}" srcOrd="0" destOrd="0" presId="urn:microsoft.com/office/officeart/2005/8/layout/StepDownProcess"/>
     <dgm:cxn modelId="{9D56A015-88AD-4FCE-9AB5-C7B4F52DBE6A}" type="presOf" srcId="{5DE4E625-DADD-47F8-8F81-D95AA765F3F4}" destId="{BC3804B1-0EEC-4806-B6F6-AC81D2E3F165}" srcOrd="0" destOrd="0" presId="urn:microsoft.com/office/officeart/2005/8/layout/StepDownProcess"/>
-    <dgm:cxn modelId="{9DBCCE28-4E6B-478C-B49C-24D8EA1829FF}" srcId="{CA8E57F2-EE95-4CE9-A5E0-13EF43D13219}" destId="{B1B2D101-9136-4DC5-AD6E-35A76367A41D}" srcOrd="0" destOrd="0" parTransId="{0C12CBFE-A1BB-4532-9260-CD7A4152DF0F}" sibTransId="{AAC1FC53-36BB-42E6-AE1F-530560484D93}"/>
-    <dgm:cxn modelId="{FF800635-43D8-4D0D-BC86-B6A360320E61}" srcId="{5DE4E625-DADD-47F8-8F81-D95AA765F3F4}" destId="{462611F6-1095-4EC5-9A17-ADC9EDEFECF5}" srcOrd="0" destOrd="0" parTransId="{16393571-F999-45C5-8EDB-846F1DA4D6A7}" sibTransId="{8679350D-2F96-4BDC-B9E6-96A0041FF635}"/>
-    <dgm:cxn modelId="{E184A540-8595-43F6-80D4-93718DB5EA43}" type="presOf" srcId="{CA8E57F2-EE95-4CE9-A5E0-13EF43D13219}" destId="{579C2044-1594-452C-A160-42A5E5291DC5}" srcOrd="0" destOrd="0" presId="urn:microsoft.com/office/officeart/2005/8/layout/StepDownProcess"/>
-    <dgm:cxn modelId="{3F75CC5C-8CEB-4298-9C0B-C7D2CF2BF558}" type="presOf" srcId="{1E45AAAA-A64F-49E1-8FFA-DE6C7E8512FB}" destId="{ECCBB81D-E257-46CF-AA0F-E29FD2738FAF}" srcOrd="0" destOrd="0" presId="urn:microsoft.com/office/officeart/2005/8/layout/StepDownProcess"/>
-    <dgm:cxn modelId="{A2DE0F43-FDB9-4ED6-AD48-C4811B9062CC}" srcId="{5DE4E625-DADD-47F8-8F81-D95AA765F3F4}" destId="{B1678090-C0D8-4F2C-B395-3BF502531496}" srcOrd="3" destOrd="0" parTransId="{65E87AFE-DA3A-4019-B772-DE7CF087C546}" sibTransId="{55800261-65DD-4FC5-AD17-7E846717FC39}"/>
     <dgm:cxn modelId="{FEABB64B-F50A-49E7-9331-E7D4BC59A1DF}" type="presOf" srcId="{B1B2D101-9136-4DC5-AD6E-35A76367A41D}" destId="{0E89AD7D-CECE-4CC4-B4D1-6CDF8AA6C764}" srcOrd="0" destOrd="0" presId="urn:microsoft.com/office/officeart/2005/8/layout/StepDownProcess"/>
-    <dgm:cxn modelId="{188FB371-664D-4597-8265-1CA846C9B8EF}" srcId="{462611F6-1095-4EC5-9A17-ADC9EDEFECF5}" destId="{C765BE67-E4F8-4992-8C75-E964C4C204D5}" srcOrd="0" destOrd="0" parTransId="{86DEA867-3E88-455F-BC8B-34355FEF42F4}" sibTransId="{D52D8E4B-DA43-4FFB-A5F0-13469DF9F831}"/>
-    <dgm:cxn modelId="{030B339A-0C8F-40C6-BBA5-98680797A7E5}" type="presOf" srcId="{462611F6-1095-4EC5-9A17-ADC9EDEFECF5}" destId="{C64E675A-0F4E-48D6-91D1-F7DA85674204}" srcOrd="0" destOrd="0" presId="urn:microsoft.com/office/officeart/2005/8/layout/StepDownProcess"/>
-    <dgm:cxn modelId="{9B066FA8-F531-492B-AF2D-ACEF980BF41D}" srcId="{5DE4E625-DADD-47F8-8F81-D95AA765F3F4}" destId="{CA8E57F2-EE95-4CE9-A5E0-13EF43D13219}" srcOrd="2" destOrd="0" parTransId="{A88D0DD6-47D8-401B-ACC0-70EF41009AE1}" sibTransId="{5572914A-B18D-4074-8FB8-41C33D23C62B}"/>
-    <dgm:cxn modelId="{234266C1-84B0-41F7-B1FF-90D4BF52A921}" srcId="{FEE39227-7CE0-4FB3-B762-44E73F9AFFA8}" destId="{1E45AAAA-A64F-49E1-8FFA-DE6C7E8512FB}" srcOrd="0" destOrd="0" parTransId="{83208FD6-F743-40B4-B06D-0BAD192FCD92}" sibTransId="{F961062A-BA3F-40DF-AD18-FEC3F307783E}"/>
-    <dgm:cxn modelId="{85F643C6-4A20-4B7B-A876-3082FF9A7B1D}" srcId="{5DE4E625-DADD-47F8-8F81-D95AA765F3F4}" destId="{FEE39227-7CE0-4FB3-B762-44E73F9AFFA8}" srcOrd="1" destOrd="0" parTransId="{3F0DCC59-F80F-480D-BA85-8BE24981A5E6}" sibTransId="{3DD966B1-EF16-486D-9267-AFE69EEBD98C}"/>
-    <dgm:cxn modelId="{55B86DD0-BEAA-4EA3-84FF-98098BC1F33A}" type="presOf" srcId="{B1678090-C0D8-4F2C-B395-3BF502531496}" destId="{255E38A8-1A90-4162-8F4F-422E5D30391D}" srcOrd="0" destOrd="0" presId="urn:microsoft.com/office/officeart/2005/8/layout/StepDownProcess"/>
-    <dgm:cxn modelId="{A95127DB-CFF3-47F3-A3F8-FF0DEA8CCDCC}" type="presOf" srcId="{C765BE67-E4F8-4992-8C75-E964C4C204D5}" destId="{B6A2E5F9-9E77-44E1-884D-CCF3D4D8680C}" srcOrd="0" destOrd="0" presId="urn:microsoft.com/office/officeart/2005/8/layout/StepDownProcess"/>
-    <dgm:cxn modelId="{0A8D9BE1-B7F6-4FC6-B1B1-5C9094BB1E0B}" type="presOf" srcId="{FEE39227-7CE0-4FB3-B762-44E73F9AFFA8}" destId="{B1510398-F7F2-4BA7-A97A-42A75D83F516}" srcOrd="0" destOrd="0" presId="urn:microsoft.com/office/officeart/2005/8/layout/StepDownProcess"/>
     <dgm:cxn modelId="{C75F83F4-EA3D-46F0-B857-8D5283D02095}" type="presParOf" srcId="{BC3804B1-0EEC-4806-B6F6-AC81D2E3F165}" destId="{E203A4FE-4952-443A-BBD5-F80117905AB4}" srcOrd="0" destOrd="0" presId="urn:microsoft.com/office/officeart/2005/8/layout/StepDownProcess"/>
     <dgm:cxn modelId="{7A9656E8-1DFD-4310-BA83-BCCB9C262DB7}" type="presParOf" srcId="{E203A4FE-4952-443A-BBD5-F80117905AB4}" destId="{F9EE6CC4-9ECB-41C5-B26D-DE6966928AC4}" srcOrd="0" destOrd="0" presId="urn:microsoft.com/office/officeart/2005/8/layout/StepDownProcess"/>
     <dgm:cxn modelId="{B7257DFD-DA9D-49A6-804D-AFD1E480B88D}" type="presParOf" srcId="{E203A4FE-4952-443A-BBD5-F80117905AB4}" destId="{C64E675A-0F4E-48D6-91D1-F7DA85674204}" srcOrd="1" destOrd="0" presId="urn:microsoft.com/office/officeart/2005/8/layout/StepDownProcess"/>
@@ -4216,6 +4356,13 @@
         </dgm:presLayoutVars>
       </dgm:prSet>
       <dgm:spPr/>
+      <dgm:t>
+        <a:bodyPr/>
+        <a:lstStyle/>
+        <a:p>
+          <a:endParaRPr lang="en-US"/>
+        </a:p>
+      </dgm:t>
     </dgm:pt>
     <dgm:pt modelId="{669CDA91-C287-4CD1-B1C0-4BAAA1665639}" type="pres">
       <dgm:prSet presAssocID="{68F5407C-4842-4C7F-9ED7-9AF1D2D05FEC}" presName="node" presStyleLbl="node1" presStyleIdx="0" presStyleCnt="4">
@@ -4224,6 +4371,13 @@
         </dgm:presLayoutVars>
       </dgm:prSet>
       <dgm:spPr/>
+      <dgm:t>
+        <a:bodyPr/>
+        <a:lstStyle/>
+        <a:p>
+          <a:endParaRPr lang="en-US"/>
+        </a:p>
+      </dgm:t>
     </dgm:pt>
     <dgm:pt modelId="{A11EA1E1-4203-46AF-84EA-CF61F6BA87BE}" type="pres">
       <dgm:prSet presAssocID="{C37A9539-FCF5-4B22-B32F-5357F901CA83}" presName="sibTrans" presStyleCnt="0"/>
@@ -4236,6 +4390,13 @@
         </dgm:presLayoutVars>
       </dgm:prSet>
       <dgm:spPr/>
+      <dgm:t>
+        <a:bodyPr/>
+        <a:lstStyle/>
+        <a:p>
+          <a:endParaRPr lang="en-US"/>
+        </a:p>
+      </dgm:t>
     </dgm:pt>
     <dgm:pt modelId="{0985A9B1-E881-4822-8507-9737087B31E8}" type="pres">
       <dgm:prSet presAssocID="{70133A41-F18E-40AA-80FF-4A7245F1C4BD}" presName="sibTrans" presStyleCnt="0"/>
@@ -4248,6 +4409,13 @@
         </dgm:presLayoutVars>
       </dgm:prSet>
       <dgm:spPr/>
+      <dgm:t>
+        <a:bodyPr/>
+        <a:lstStyle/>
+        <a:p>
+          <a:endParaRPr lang="en-US"/>
+        </a:p>
+      </dgm:t>
     </dgm:pt>
     <dgm:pt modelId="{4E316298-5D3A-44DD-AF11-89CA260BC036}" type="pres">
       <dgm:prSet presAssocID="{139A8200-4446-4157-9351-364B8BF46638}" presName="sibTrans" presStyleCnt="0"/>
@@ -4260,18 +4428,25 @@
         </dgm:presLayoutVars>
       </dgm:prSet>
       <dgm:spPr/>
+      <dgm:t>
+        <a:bodyPr/>
+        <a:lstStyle/>
+        <a:p>
+          <a:endParaRPr lang="en-US"/>
+        </a:p>
+      </dgm:t>
     </dgm:pt>
   </dgm:ptLst>
   <dgm:cxnLst>
+    <dgm:cxn modelId="{F5DE89B9-5C6D-43B0-871B-A870781EBCFB}" type="presOf" srcId="{68F5407C-4842-4C7F-9ED7-9AF1D2D05FEC}" destId="{669CDA91-C287-4CD1-B1C0-4BAAA1665639}" srcOrd="0" destOrd="0" presId="urn:microsoft.com/office/officeart/2005/8/layout/default"/>
+    <dgm:cxn modelId="{E730C236-6310-4BE2-A0DE-4811475AA803}" type="presOf" srcId="{D536E29D-97F9-408E-9D90-5AFA39F979F8}" destId="{AC65C2B3-96E4-4390-BCB2-1258E9DF06D2}" srcOrd="0" destOrd="0" presId="urn:microsoft.com/office/officeart/2005/8/layout/default"/>
     <dgm:cxn modelId="{DB53A128-33F1-4EE2-9961-48CF3E8A028D}" srcId="{5CCAE35F-8951-42A7-BCC6-D8D1866CE451}" destId="{28DF9378-09B8-495B-BA81-3C73656AE95C}" srcOrd="3" destOrd="0" parTransId="{AA80693B-114D-4E74-89F7-B37585F9074D}" sibTransId="{B9E3B38A-5467-48ED-8110-FE48B339A825}"/>
-    <dgm:cxn modelId="{E730C236-6310-4BE2-A0DE-4811475AA803}" type="presOf" srcId="{D536E29D-97F9-408E-9D90-5AFA39F979F8}" destId="{AC65C2B3-96E4-4390-BCB2-1258E9DF06D2}" srcOrd="0" destOrd="0" presId="urn:microsoft.com/office/officeart/2005/8/layout/default"/>
     <dgm:cxn modelId="{108A263D-D2BA-435C-A05D-01C9EBB9C3FA}" srcId="{5CCAE35F-8951-42A7-BCC6-D8D1866CE451}" destId="{0BCA1B82-E701-4F06-86EA-F6EC90C1CE67}" srcOrd="1" destOrd="0" parTransId="{BCC7A50F-02FF-4EFF-89CA-740431A2C4C6}" sibTransId="{70133A41-F18E-40AA-80FF-4A7245F1C4BD}"/>
     <dgm:cxn modelId="{1157025F-9CC1-409B-9E76-AA83707BF9A9}" type="presOf" srcId="{0BCA1B82-E701-4F06-86EA-F6EC90C1CE67}" destId="{3353084F-6745-4D22-A374-F11D83B42F70}" srcOrd="0" destOrd="0" presId="urn:microsoft.com/office/officeart/2005/8/layout/default"/>
+    <dgm:cxn modelId="{B6A58EF3-4A6C-4FDB-B77A-E1939C4E4837}" type="presOf" srcId="{5CCAE35F-8951-42A7-BCC6-D8D1866CE451}" destId="{40618AF8-E476-46B3-81A3-C0F7E8790516}" srcOrd="0" destOrd="0" presId="urn:microsoft.com/office/officeart/2005/8/layout/default"/>
+    <dgm:cxn modelId="{A1B907BD-720D-445C-903B-BA7F6DF8FB5A}" srcId="{5CCAE35F-8951-42A7-BCC6-D8D1866CE451}" destId="{68F5407C-4842-4C7F-9ED7-9AF1D2D05FEC}" srcOrd="0" destOrd="0" parTransId="{9E987C04-C186-4B25-8760-157918EFB6D3}" sibTransId="{C37A9539-FCF5-4B22-B32F-5357F901CA83}"/>
     <dgm:cxn modelId="{7BC23D7D-E71E-4E99-8242-334B0C5F2B8B}" type="presOf" srcId="{28DF9378-09B8-495B-BA81-3C73656AE95C}" destId="{854801FA-E6F1-4E58-BD4F-37A39517F6E9}" srcOrd="0" destOrd="0" presId="urn:microsoft.com/office/officeart/2005/8/layout/default"/>
-    <dgm:cxn modelId="{F5DE89B9-5C6D-43B0-871B-A870781EBCFB}" type="presOf" srcId="{68F5407C-4842-4C7F-9ED7-9AF1D2D05FEC}" destId="{669CDA91-C287-4CD1-B1C0-4BAAA1665639}" srcOrd="0" destOrd="0" presId="urn:microsoft.com/office/officeart/2005/8/layout/default"/>
-    <dgm:cxn modelId="{A1B907BD-720D-445C-903B-BA7F6DF8FB5A}" srcId="{5CCAE35F-8951-42A7-BCC6-D8D1866CE451}" destId="{68F5407C-4842-4C7F-9ED7-9AF1D2D05FEC}" srcOrd="0" destOrd="0" parTransId="{9E987C04-C186-4B25-8760-157918EFB6D3}" sibTransId="{C37A9539-FCF5-4B22-B32F-5357F901CA83}"/>
     <dgm:cxn modelId="{470B94E9-ED5C-4A1C-8B1C-6DF0BA630095}" srcId="{5CCAE35F-8951-42A7-BCC6-D8D1866CE451}" destId="{D536E29D-97F9-408E-9D90-5AFA39F979F8}" srcOrd="2" destOrd="0" parTransId="{38EB7916-D2FA-4B25-9A9E-69482963197B}" sibTransId="{139A8200-4446-4157-9351-364B8BF46638}"/>
-    <dgm:cxn modelId="{B6A58EF3-4A6C-4FDB-B77A-E1939C4E4837}" type="presOf" srcId="{5CCAE35F-8951-42A7-BCC6-D8D1866CE451}" destId="{40618AF8-E476-46B3-81A3-C0F7E8790516}" srcOrd="0" destOrd="0" presId="urn:microsoft.com/office/officeart/2005/8/layout/default"/>
     <dgm:cxn modelId="{6614D481-E547-48A0-8BBB-D5DC3DAF980E}" type="presParOf" srcId="{40618AF8-E476-46B3-81A3-C0F7E8790516}" destId="{669CDA91-C287-4CD1-B1C0-4BAAA1665639}" srcOrd="0" destOrd="0" presId="urn:microsoft.com/office/officeart/2005/8/layout/default"/>
     <dgm:cxn modelId="{CD48A2F0-DDD5-4DD6-A130-CA07B0D75817}" type="presParOf" srcId="{40618AF8-E476-46B3-81A3-C0F7E8790516}" destId="{A11EA1E1-4203-46AF-84EA-CF61F6BA87BE}" srcOrd="1" destOrd="0" presId="urn:microsoft.com/office/officeart/2005/8/layout/default"/>
     <dgm:cxn modelId="{8520AB1B-9239-4DB6-9B22-09E4FA184D6C}" type="presParOf" srcId="{40618AF8-E476-46B3-81A3-C0F7E8790516}" destId="{3353084F-6745-4D22-A374-F11D83B42F70}" srcOrd="2" destOrd="0" presId="urn:microsoft.com/office/officeart/2005/8/layout/default"/>
@@ -4424,6 +4599,13 @@
         </dgm:presLayoutVars>
       </dgm:prSet>
       <dgm:spPr/>
+      <dgm:t>
+        <a:bodyPr/>
+        <a:lstStyle/>
+        <a:p>
+          <a:endParaRPr lang="en-US"/>
+        </a:p>
+      </dgm:t>
     </dgm:pt>
     <dgm:pt modelId="{BCB566F2-F5DB-47C3-BC53-BEB32239CB89}" type="pres">
       <dgm:prSet presAssocID="{109893F8-9634-4419-A556-2D1D95BC7469}" presName="hierRoot1" presStyleCnt="0">
@@ -4444,10 +4626,24 @@
         </dgm:presLayoutVars>
       </dgm:prSet>
       <dgm:spPr/>
+      <dgm:t>
+        <a:bodyPr/>
+        <a:lstStyle/>
+        <a:p>
+          <a:endParaRPr lang="en-US"/>
+        </a:p>
+      </dgm:t>
     </dgm:pt>
     <dgm:pt modelId="{0C6501A3-DA92-4A24-B4E8-937D25437338}" type="pres">
       <dgm:prSet presAssocID="{109893F8-9634-4419-A556-2D1D95BC7469}" presName="rootConnector1" presStyleLbl="node1" presStyleIdx="0" presStyleCnt="0"/>
       <dgm:spPr/>
+      <dgm:t>
+        <a:bodyPr/>
+        <a:lstStyle/>
+        <a:p>
+          <a:endParaRPr lang="en-US"/>
+        </a:p>
+      </dgm:t>
     </dgm:pt>
     <dgm:pt modelId="{F849BBD0-1CFF-4429-A835-C6D033AD748E}" type="pres">
       <dgm:prSet presAssocID="{109893F8-9634-4419-A556-2D1D95BC7469}" presName="hierChild2" presStyleCnt="0"/>
@@ -4456,6 +4652,13 @@
     <dgm:pt modelId="{06CE05B1-33FB-4D0E-9108-3D24675623CA}" type="pres">
       <dgm:prSet presAssocID="{04A2C270-9845-47CE-AF92-924ECEDFE7C1}" presName="Name37" presStyleLbl="parChTrans1D2" presStyleIdx="0" presStyleCnt="2"/>
       <dgm:spPr/>
+      <dgm:t>
+        <a:bodyPr/>
+        <a:lstStyle/>
+        <a:p>
+          <a:endParaRPr lang="en-US"/>
+        </a:p>
+      </dgm:t>
     </dgm:pt>
     <dgm:pt modelId="{8E89BE9B-AE1F-4AE0-A645-751C19B5003B}" type="pres">
       <dgm:prSet presAssocID="{24D10FD8-5184-4F5A-A075-C19DD6F88470}" presName="hierRoot2" presStyleCnt="0">
@@ -4476,10 +4679,24 @@
         </dgm:presLayoutVars>
       </dgm:prSet>
       <dgm:spPr/>
+      <dgm:t>
+        <a:bodyPr/>
+        <a:lstStyle/>
+        <a:p>
+          <a:endParaRPr lang="en-US"/>
+        </a:p>
+      </dgm:t>
     </dgm:pt>
     <dgm:pt modelId="{5E127FC3-182A-42EC-9C60-4E4E3BBFD11B}" type="pres">
       <dgm:prSet presAssocID="{24D10FD8-5184-4F5A-A075-C19DD6F88470}" presName="rootConnector" presStyleLbl="node2" presStyleIdx="0" presStyleCnt="2"/>
       <dgm:spPr/>
+      <dgm:t>
+        <a:bodyPr/>
+        <a:lstStyle/>
+        <a:p>
+          <a:endParaRPr lang="en-US"/>
+        </a:p>
+      </dgm:t>
     </dgm:pt>
     <dgm:pt modelId="{DE289F4A-0F90-4826-8C3B-9D8DDB1BC86A}" type="pres">
       <dgm:prSet presAssocID="{24D10FD8-5184-4F5A-A075-C19DD6F88470}" presName="hierChild4" presStyleCnt="0"/>
@@ -4492,6 +4709,13 @@
     <dgm:pt modelId="{5F52DF63-FA69-41EE-A97B-04D44E851A1D}" type="pres">
       <dgm:prSet presAssocID="{DFE64E84-687C-4633-A159-DCE300EF49ED}" presName="Name37" presStyleLbl="parChTrans1D2" presStyleIdx="1" presStyleCnt="2"/>
       <dgm:spPr/>
+      <dgm:t>
+        <a:bodyPr/>
+        <a:lstStyle/>
+        <a:p>
+          <a:endParaRPr lang="en-US"/>
+        </a:p>
+      </dgm:t>
     </dgm:pt>
     <dgm:pt modelId="{8426D940-A581-4955-BA0E-48ABFA333C00}" type="pres">
       <dgm:prSet presAssocID="{3096FB99-F550-4B66-A20E-E63FAE6122A4}" presName="hierRoot2" presStyleCnt="0">
@@ -4512,10 +4736,24 @@
         </dgm:presLayoutVars>
       </dgm:prSet>
       <dgm:spPr/>
+      <dgm:t>
+        <a:bodyPr/>
+        <a:lstStyle/>
+        <a:p>
+          <a:endParaRPr lang="en-US"/>
+        </a:p>
+      </dgm:t>
     </dgm:pt>
     <dgm:pt modelId="{E49E1CDB-EFC0-43A4-881E-8EB2B88D7F29}" type="pres">
       <dgm:prSet presAssocID="{3096FB99-F550-4B66-A20E-E63FAE6122A4}" presName="rootConnector" presStyleLbl="node2" presStyleIdx="1" presStyleCnt="2"/>
       <dgm:spPr/>
+      <dgm:t>
+        <a:bodyPr/>
+        <a:lstStyle/>
+        <a:p>
+          <a:endParaRPr lang="en-US"/>
+        </a:p>
+      </dgm:t>
     </dgm:pt>
     <dgm:pt modelId="{D220982A-A711-4DC1-AE3E-3D48016FB9DA}" type="pres">
       <dgm:prSet presAssocID="{3096FB99-F550-4B66-A20E-E63FAE6122A4}" presName="hierChild4" presStyleCnt="0"/>
@@ -4531,18 +4769,18 @@
     </dgm:pt>
   </dgm:ptLst>
   <dgm:cxnLst>
+    <dgm:cxn modelId="{0DDD01FE-AD61-4F59-93C6-F381B83F3DE3}" type="presOf" srcId="{109893F8-9634-4419-A556-2D1D95BC7469}" destId="{38702633-BA09-4998-BC13-FCBC95F21AF9}" srcOrd="0" destOrd="0" presId="urn:microsoft.com/office/officeart/2005/8/layout/orgChart1"/>
+    <dgm:cxn modelId="{62DF357F-7824-4FB9-9639-F319C6AFC530}" srcId="{109893F8-9634-4419-A556-2D1D95BC7469}" destId="{3096FB99-F550-4B66-A20E-E63FAE6122A4}" srcOrd="1" destOrd="0" parTransId="{DFE64E84-687C-4633-A159-DCE300EF49ED}" sibTransId="{3496C967-0323-49DC-93AB-1B5D38295864}"/>
+    <dgm:cxn modelId="{168A59F7-DA04-49DB-96DC-B4B135C5512A}" type="presOf" srcId="{24D10FD8-5184-4F5A-A075-C19DD6F88470}" destId="{B6E4B66D-885D-4765-9FF2-3B014B7825AE}" srcOrd="0" destOrd="0" presId="urn:microsoft.com/office/officeart/2005/8/layout/orgChart1"/>
+    <dgm:cxn modelId="{75437A9A-291F-4E0C-A81D-DD8397226815}" type="presOf" srcId="{24D10FD8-5184-4F5A-A075-C19DD6F88470}" destId="{5E127FC3-182A-42EC-9C60-4E4E3BBFD11B}" srcOrd="1" destOrd="0" presId="urn:microsoft.com/office/officeart/2005/8/layout/orgChart1"/>
+    <dgm:cxn modelId="{63B529A8-423B-418B-B053-8D38AAA99A19}" srcId="{109893F8-9634-4419-A556-2D1D95BC7469}" destId="{24D10FD8-5184-4F5A-A075-C19DD6F88470}" srcOrd="0" destOrd="0" parTransId="{04A2C270-9845-47CE-AF92-924ECEDFE7C1}" sibTransId="{A22FCEEE-F4DF-4AB2-AF89-EE209522B9D4}"/>
     <dgm:cxn modelId="{5E741101-5B23-4A60-B408-33DFEB1BDF86}" type="presOf" srcId="{3096FB99-F550-4B66-A20E-E63FAE6122A4}" destId="{E49E1CDB-EFC0-43A4-881E-8EB2B88D7F29}" srcOrd="1" destOrd="0" presId="urn:microsoft.com/office/officeart/2005/8/layout/orgChart1"/>
+    <dgm:cxn modelId="{BD76442A-E80F-4D76-8455-CEDE92F55180}" type="presOf" srcId="{04A2C270-9845-47CE-AF92-924ECEDFE7C1}" destId="{06CE05B1-33FB-4D0E-9108-3D24675623CA}" srcOrd="0" destOrd="0" presId="urn:microsoft.com/office/officeart/2005/8/layout/orgChart1"/>
+    <dgm:cxn modelId="{1DC8FD89-D9BF-47BC-A389-62B87BA0B617}" type="presOf" srcId="{109893F8-9634-4419-A556-2D1D95BC7469}" destId="{0C6501A3-DA92-4A24-B4E8-937D25437338}" srcOrd="1" destOrd="0" presId="urn:microsoft.com/office/officeart/2005/8/layout/orgChart1"/>
+    <dgm:cxn modelId="{F2CDA99C-3AB9-4829-A8D7-ADA2454A1F35}" srcId="{EC38DF6B-826F-4E0D-AC00-21FFB899C267}" destId="{109893F8-9634-4419-A556-2D1D95BC7469}" srcOrd="0" destOrd="0" parTransId="{5AD31CC5-32D8-4038-A175-D6EE3455B4FB}" sibTransId="{8E64AD46-8865-4702-84AE-A691F87F1884}"/>
+    <dgm:cxn modelId="{36EBBEFC-19C0-467D-AF29-E4EB9410053E}" type="presOf" srcId="{3096FB99-F550-4B66-A20E-E63FAE6122A4}" destId="{B68F3179-7EA2-4303-826F-CEA11E7DEDF6}" srcOrd="0" destOrd="0" presId="urn:microsoft.com/office/officeart/2005/8/layout/orgChart1"/>
     <dgm:cxn modelId="{8C165A02-8EDC-4FBD-B049-B58791AC5E5E}" type="presOf" srcId="{DFE64E84-687C-4633-A159-DCE300EF49ED}" destId="{5F52DF63-FA69-41EE-A97B-04D44E851A1D}" srcOrd="0" destOrd="0" presId="urn:microsoft.com/office/officeart/2005/8/layout/orgChart1"/>
-    <dgm:cxn modelId="{BD76442A-E80F-4D76-8455-CEDE92F55180}" type="presOf" srcId="{04A2C270-9845-47CE-AF92-924ECEDFE7C1}" destId="{06CE05B1-33FB-4D0E-9108-3D24675623CA}" srcOrd="0" destOrd="0" presId="urn:microsoft.com/office/officeart/2005/8/layout/orgChart1"/>
-    <dgm:cxn modelId="{62DF357F-7824-4FB9-9639-F319C6AFC530}" srcId="{109893F8-9634-4419-A556-2D1D95BC7469}" destId="{3096FB99-F550-4B66-A20E-E63FAE6122A4}" srcOrd="1" destOrd="0" parTransId="{DFE64E84-687C-4633-A159-DCE300EF49ED}" sibTransId="{3496C967-0323-49DC-93AB-1B5D38295864}"/>
-    <dgm:cxn modelId="{1DC8FD89-D9BF-47BC-A389-62B87BA0B617}" type="presOf" srcId="{109893F8-9634-4419-A556-2D1D95BC7469}" destId="{0C6501A3-DA92-4A24-B4E8-937D25437338}" srcOrd="1" destOrd="0" presId="urn:microsoft.com/office/officeart/2005/8/layout/orgChart1"/>
-    <dgm:cxn modelId="{75437A9A-291F-4E0C-A81D-DD8397226815}" type="presOf" srcId="{24D10FD8-5184-4F5A-A075-C19DD6F88470}" destId="{5E127FC3-182A-42EC-9C60-4E4E3BBFD11B}" srcOrd="1" destOrd="0" presId="urn:microsoft.com/office/officeart/2005/8/layout/orgChart1"/>
-    <dgm:cxn modelId="{F2CDA99C-3AB9-4829-A8D7-ADA2454A1F35}" srcId="{EC38DF6B-826F-4E0D-AC00-21FFB899C267}" destId="{109893F8-9634-4419-A556-2D1D95BC7469}" srcOrd="0" destOrd="0" parTransId="{5AD31CC5-32D8-4038-A175-D6EE3455B4FB}" sibTransId="{8E64AD46-8865-4702-84AE-A691F87F1884}"/>
-    <dgm:cxn modelId="{63B529A8-423B-418B-B053-8D38AAA99A19}" srcId="{109893F8-9634-4419-A556-2D1D95BC7469}" destId="{24D10FD8-5184-4F5A-A075-C19DD6F88470}" srcOrd="0" destOrd="0" parTransId="{04A2C270-9845-47CE-AF92-924ECEDFE7C1}" sibTransId="{A22FCEEE-F4DF-4AB2-AF89-EE209522B9D4}"/>
     <dgm:cxn modelId="{FD8C94D0-1775-4BB6-B4EF-31C35F3B1698}" type="presOf" srcId="{EC38DF6B-826F-4E0D-AC00-21FFB899C267}" destId="{F97F541D-3428-40F9-8856-A86C2C87AEEE}" srcOrd="0" destOrd="0" presId="urn:microsoft.com/office/officeart/2005/8/layout/orgChart1"/>
-    <dgm:cxn modelId="{168A59F7-DA04-49DB-96DC-B4B135C5512A}" type="presOf" srcId="{24D10FD8-5184-4F5A-A075-C19DD6F88470}" destId="{B6E4B66D-885D-4765-9FF2-3B014B7825AE}" srcOrd="0" destOrd="0" presId="urn:microsoft.com/office/officeart/2005/8/layout/orgChart1"/>
-    <dgm:cxn modelId="{36EBBEFC-19C0-467D-AF29-E4EB9410053E}" type="presOf" srcId="{3096FB99-F550-4B66-A20E-E63FAE6122A4}" destId="{B68F3179-7EA2-4303-826F-CEA11E7DEDF6}" srcOrd="0" destOrd="0" presId="urn:microsoft.com/office/officeart/2005/8/layout/orgChart1"/>
-    <dgm:cxn modelId="{0DDD01FE-AD61-4F59-93C6-F381B83F3DE3}" type="presOf" srcId="{109893F8-9634-4419-A556-2D1D95BC7469}" destId="{38702633-BA09-4998-BC13-FCBC95F21AF9}" srcOrd="0" destOrd="0" presId="urn:microsoft.com/office/officeart/2005/8/layout/orgChart1"/>
     <dgm:cxn modelId="{8F31C375-053D-4194-B5F6-FAA2E077F211}" type="presParOf" srcId="{F97F541D-3428-40F9-8856-A86C2C87AEEE}" destId="{BCB566F2-F5DB-47C3-BC53-BEB32239CB89}" srcOrd="0" destOrd="0" presId="urn:microsoft.com/office/officeart/2005/8/layout/orgChart1"/>
     <dgm:cxn modelId="{EFC6870F-2CE1-45AD-949D-2F31C6421367}" type="presParOf" srcId="{BCB566F2-F5DB-47C3-BC53-BEB32239CB89}" destId="{E2C0FDE9-EA33-460A-A655-A28D1E98F254}" srcOrd="0" destOrd="0" presId="urn:microsoft.com/office/officeart/2005/8/layout/orgChart1"/>
     <dgm:cxn modelId="{CD2109B1-1131-440C-AC37-5436F90AEF54}" type="presParOf" srcId="{E2C0FDE9-EA33-460A-A655-A28D1E98F254}" destId="{38702633-BA09-4998-BC13-FCBC95F21AF9}" srcOrd="0" destOrd="0" presId="urn:microsoft.com/office/officeart/2005/8/layout/orgChart1"/>
@@ -4657,7 +4895,7 @@
         </a:bodyPr>
         <a:lstStyle/>
         <a:p>
-          <a:pPr marL="0" lvl="0" indent="0" algn="l" defTabSz="755650">
+          <a:pPr lvl="0" algn="l" defTabSz="755650">
             <a:lnSpc>
               <a:spcPct val="90000"/>
             </a:lnSpc>
@@ -4667,7 +4905,6 @@
             <a:spcAft>
               <a:spcPct val="35000"/>
             </a:spcAft>
-            <a:buNone/>
           </a:pPr>
           <a:r>
             <a:rPr lang="en-US" sz="1700" kern="1200" dirty="0"/>
@@ -4685,7 +4922,7 @@
             <a:spcAft>
               <a:spcPct val="15000"/>
             </a:spcAft>
-            <a:buChar char="•"/>
+            <a:buChar char="••"/>
           </a:pPr>
           <a:r>
             <a:rPr lang="en-US" sz="1300" kern="1200" dirty="0"/>
@@ -4773,7 +5010,7 @@
         </a:bodyPr>
         <a:lstStyle/>
         <a:p>
-          <a:pPr marL="0" lvl="0" indent="0" algn="l" defTabSz="755650">
+          <a:pPr lvl="0" algn="l" defTabSz="755650">
             <a:lnSpc>
               <a:spcPct val="90000"/>
             </a:lnSpc>
@@ -4783,7 +5020,6 @@
             <a:spcAft>
               <a:spcPct val="35000"/>
             </a:spcAft>
-            <a:buNone/>
           </a:pPr>
           <a:r>
             <a:rPr lang="en-US" sz="1700" kern="1200" dirty="0"/>
@@ -4801,7 +5037,7 @@
             <a:spcAft>
               <a:spcPct val="15000"/>
             </a:spcAft>
-            <a:buChar char="•"/>
+            <a:buChar char="••"/>
           </a:pPr>
           <a:r>
             <a:rPr lang="en-US" sz="1300" kern="1200" dirty="0"/>
@@ -4889,7 +5125,7 @@
         </a:bodyPr>
         <a:lstStyle/>
         <a:p>
-          <a:pPr marL="0" lvl="0" indent="0" algn="l" defTabSz="755650">
+          <a:pPr lvl="0" algn="l" defTabSz="755650">
             <a:lnSpc>
               <a:spcPct val="90000"/>
             </a:lnSpc>
@@ -4899,7 +5135,6 @@
             <a:spcAft>
               <a:spcPct val="35000"/>
             </a:spcAft>
-            <a:buNone/>
           </a:pPr>
           <a:r>
             <a:rPr lang="en-US" sz="1700" kern="1200" dirty="0"/>
@@ -4917,7 +5152,7 @@
             <a:spcAft>
               <a:spcPct val="15000"/>
             </a:spcAft>
-            <a:buChar char="•"/>
+            <a:buChar char="••"/>
           </a:pPr>
           <a:r>
             <a:rPr lang="en-US" sz="1300" kern="1200" dirty="0"/>
@@ -5005,7 +5240,7 @@
         </a:bodyPr>
         <a:lstStyle/>
         <a:p>
-          <a:pPr marL="0" lvl="0" indent="0" algn="l" defTabSz="755650">
+          <a:pPr lvl="0" algn="l" defTabSz="755650">
             <a:lnSpc>
               <a:spcPct val="90000"/>
             </a:lnSpc>
@@ -5015,7 +5250,6 @@
             <a:spcAft>
               <a:spcPct val="35000"/>
             </a:spcAft>
-            <a:buNone/>
           </a:pPr>
           <a:r>
             <a:rPr lang="en-US" sz="1700" kern="1200" dirty="0"/>
@@ -5033,7 +5267,7 @@
             <a:spcAft>
               <a:spcPct val="15000"/>
             </a:spcAft>
-            <a:buChar char="•"/>
+            <a:buChar char="••"/>
           </a:pPr>
           <a:r>
             <a:rPr lang="en-US" sz="1300" kern="1200" dirty="0"/>
@@ -5112,7 +5346,7 @@
         </a:bodyPr>
         <a:lstStyle/>
         <a:p>
-          <a:pPr marL="0" lvl="0" indent="0" algn="ctr" defTabSz="933450">
+          <a:pPr lvl="0" algn="ctr" defTabSz="933450">
             <a:lnSpc>
               <a:spcPct val="90000"/>
             </a:lnSpc>
@@ -5122,7 +5356,6 @@
             <a:spcAft>
               <a:spcPct val="35000"/>
             </a:spcAft>
-            <a:buNone/>
           </a:pPr>
           <a:endParaRPr lang="en-US" sz="2100" kern="1200"/>
         </a:p>
@@ -5198,7 +5431,7 @@
         </a:bodyPr>
         <a:lstStyle/>
         <a:p>
-          <a:pPr marL="0" lvl="0" indent="0" algn="ctr" defTabSz="933450">
+          <a:pPr lvl="0" algn="ctr" defTabSz="933450">
             <a:lnSpc>
               <a:spcPct val="90000"/>
             </a:lnSpc>
@@ -5208,7 +5441,6 @@
             <a:spcAft>
               <a:spcPct val="35000"/>
             </a:spcAft>
-            <a:buNone/>
           </a:pPr>
           <a:endParaRPr lang="en-US" sz="2100" kern="1200"/>
         </a:p>
@@ -5284,7 +5516,7 @@
         </a:bodyPr>
         <a:lstStyle/>
         <a:p>
-          <a:pPr marL="0" lvl="0" indent="0" algn="ctr" defTabSz="933450">
+          <a:pPr lvl="0" algn="ctr" defTabSz="933450">
             <a:lnSpc>
               <a:spcPct val="90000"/>
             </a:lnSpc>
@@ -5294,7 +5526,6 @@
             <a:spcAft>
               <a:spcPct val="35000"/>
             </a:spcAft>
-            <a:buNone/>
           </a:pPr>
           <a:endParaRPr lang="en-US" sz="2100" kern="1200"/>
         </a:p>
@@ -5463,7 +5694,7 @@
         </a:bodyPr>
         <a:lstStyle/>
         <a:p>
-          <a:pPr marL="0" lvl="0" indent="0" algn="ctr" defTabSz="889000">
+          <a:pPr lvl="0" algn="ctr" defTabSz="889000">
             <a:lnSpc>
               <a:spcPct val="90000"/>
             </a:lnSpc>
@@ -5473,7 +5704,6 @@
             <a:spcAft>
               <a:spcPct val="35000"/>
             </a:spcAft>
-            <a:buNone/>
           </a:pPr>
           <a:r>
             <a:rPr lang="en-US" sz="2000" kern="1200" dirty="0"/>
@@ -5533,7 +5763,7 @@
             <a:spcAft>
               <a:spcPct val="15000"/>
             </a:spcAft>
-            <a:buChar char="•"/>
+            <a:buChar char="••"/>
           </a:pPr>
           <a:r>
             <a:rPr lang="en-US" sz="2400" kern="1200" dirty="0">
@@ -5697,7 +5927,7 @@
         </a:bodyPr>
         <a:lstStyle/>
         <a:p>
-          <a:pPr marL="0" lvl="0" indent="0" algn="ctr" defTabSz="889000">
+          <a:pPr lvl="0" algn="ctr" defTabSz="889000">
             <a:lnSpc>
               <a:spcPct val="90000"/>
             </a:lnSpc>
@@ -5707,7 +5937,6 @@
             <a:spcAft>
               <a:spcPct val="35000"/>
             </a:spcAft>
-            <a:buNone/>
           </a:pPr>
           <a:r>
             <a:rPr lang="en-US" sz="2000" kern="1200" dirty="0"/>
@@ -5767,7 +5996,7 @@
             <a:spcAft>
               <a:spcPct val="15000"/>
             </a:spcAft>
-            <a:buChar char="•"/>
+            <a:buChar char="••"/>
           </a:pPr>
           <a:r>
             <a:rPr lang="en-US" sz="2400" kern="1200" dirty="0">
@@ -5931,7 +6160,7 @@
         </a:bodyPr>
         <a:lstStyle/>
         <a:p>
-          <a:pPr marL="0" lvl="0" indent="0" algn="ctr" defTabSz="889000">
+          <a:pPr lvl="0" algn="ctr" defTabSz="889000">
             <a:lnSpc>
               <a:spcPct val="90000"/>
             </a:lnSpc>
@@ -5941,7 +6170,6 @@
             <a:spcAft>
               <a:spcPct val="35000"/>
             </a:spcAft>
-            <a:buNone/>
           </a:pPr>
           <a:r>
             <a:rPr lang="en-US" sz="2000" kern="1200" dirty="0"/>
@@ -6001,7 +6229,7 @@
             <a:spcAft>
               <a:spcPct val="15000"/>
             </a:spcAft>
-            <a:buChar char="•"/>
+            <a:buChar char="••"/>
           </a:pPr>
           <a:r>
             <a:rPr lang="en-US" sz="2400" kern="1200" dirty="0">
@@ -6109,7 +6337,7 @@
         </a:bodyPr>
         <a:lstStyle/>
         <a:p>
-          <a:pPr marL="0" lvl="0" indent="0" algn="ctr" defTabSz="889000">
+          <a:pPr lvl="0" algn="ctr" defTabSz="889000">
             <a:lnSpc>
               <a:spcPct val="90000"/>
             </a:lnSpc>
@@ -6119,7 +6347,6 @@
             <a:spcAft>
               <a:spcPct val="35000"/>
             </a:spcAft>
-            <a:buNone/>
           </a:pPr>
           <a:r>
             <a:rPr lang="en-US" sz="2000" kern="1200" dirty="0"/>
@@ -6217,7 +6444,7 @@
         </a:bodyPr>
         <a:lstStyle/>
         <a:p>
-          <a:pPr marL="0" lvl="0" indent="0" algn="ctr" defTabSz="1600200">
+          <a:pPr lvl="0" algn="ctr" defTabSz="1600200">
             <a:lnSpc>
               <a:spcPct val="90000"/>
             </a:lnSpc>
@@ -6227,7 +6454,6 @@
             <a:spcAft>
               <a:spcPct val="35000"/>
             </a:spcAft>
-            <a:buNone/>
           </a:pPr>
           <a:r>
             <a:rPr lang="en-US" sz="3600" kern="1200" dirty="0"/>
@@ -6313,7 +6539,7 @@
         </a:bodyPr>
         <a:lstStyle/>
         <a:p>
-          <a:pPr marL="0" lvl="0" indent="0" algn="ctr" defTabSz="1600200">
+          <a:pPr lvl="0" algn="ctr" defTabSz="1600200">
             <a:lnSpc>
               <a:spcPct val="90000"/>
             </a:lnSpc>
@@ -6323,7 +6549,6 @@
             <a:spcAft>
               <a:spcPct val="35000"/>
             </a:spcAft>
-            <a:buNone/>
           </a:pPr>
           <a:r>
             <a:rPr lang="en-US" sz="3600" kern="1200" dirty="0"/>
@@ -6409,7 +6634,7 @@
         </a:bodyPr>
         <a:lstStyle/>
         <a:p>
-          <a:pPr marL="0" lvl="0" indent="0" algn="ctr" defTabSz="1600200">
+          <a:pPr lvl="0" algn="ctr" defTabSz="1600200">
             <a:lnSpc>
               <a:spcPct val="90000"/>
             </a:lnSpc>
@@ -6419,7 +6644,6 @@
             <a:spcAft>
               <a:spcPct val="35000"/>
             </a:spcAft>
-            <a:buNone/>
           </a:pPr>
           <a:r>
             <a:rPr lang="en-US" sz="3600" kern="1200" dirty="0"/>
@@ -6505,7 +6729,7 @@
         </a:bodyPr>
         <a:lstStyle/>
         <a:p>
-          <a:pPr marL="0" lvl="0" indent="0" algn="ctr" defTabSz="1600200">
+          <a:pPr lvl="0" algn="ctr" defTabSz="1600200">
             <a:lnSpc>
               <a:spcPct val="90000"/>
             </a:lnSpc>
@@ -6515,7 +6739,6 @@
             <a:spcAft>
               <a:spcPct val="35000"/>
             </a:spcAft>
-            <a:buNone/>
           </a:pPr>
           <a:r>
             <a:rPr lang="en-US" sz="3600" kern="1200" dirty="0"/>
@@ -6716,7 +6939,7 @@
         </a:bodyPr>
         <a:lstStyle/>
         <a:p>
-          <a:pPr marL="0" lvl="0" indent="0" algn="ctr" defTabSz="2044700">
+          <a:pPr lvl="0" algn="ctr" defTabSz="2044700">
             <a:lnSpc>
               <a:spcPct val="90000"/>
             </a:lnSpc>
@@ -6726,7 +6949,6 @@
             <a:spcAft>
               <a:spcPct val="35000"/>
             </a:spcAft>
-            <a:buNone/>
           </a:pPr>
           <a:r>
             <a:rPr lang="en-US" sz="4600" kern="1200" dirty="0"/>
@@ -6793,7 +7015,7 @@
         </a:bodyPr>
         <a:lstStyle/>
         <a:p>
-          <a:pPr marL="0" lvl="0" indent="0" algn="ctr" defTabSz="2044700">
+          <a:pPr lvl="0" algn="ctr" defTabSz="2044700">
             <a:lnSpc>
               <a:spcPct val="90000"/>
             </a:lnSpc>
@@ -6803,7 +7025,6 @@
             <a:spcAft>
               <a:spcPct val="35000"/>
             </a:spcAft>
-            <a:buNone/>
           </a:pPr>
           <a:r>
             <a:rPr lang="en-US" sz="4600" kern="1200" dirty="0"/>
@@ -6870,7 +7091,7 @@
         </a:bodyPr>
         <a:lstStyle/>
         <a:p>
-          <a:pPr marL="0" lvl="0" indent="0" algn="ctr" defTabSz="2044700">
+          <a:pPr lvl="0" algn="ctr" defTabSz="2044700">
             <a:lnSpc>
               <a:spcPct val="90000"/>
             </a:lnSpc>
@@ -6880,7 +7101,6 @@
             <a:spcAft>
               <a:spcPct val="35000"/>
             </a:spcAft>
-            <a:buNone/>
           </a:pPr>
           <a:r>
             <a:rPr lang="en-US" sz="4600" kern="1200" dirty="0"/>
@@ -14201,7 +14421,7 @@
           <a:p>
             <a:fld id="{09153037-EA67-4300-9571-7C51C2E0BB4E}" type="datetimeFigureOut">
               <a:rPr lang="en-US" smtClean="0"/>
-              <a:t>9/24/2018</a:t>
+              <a:t>24-Sep-18</a:t>
             </a:fld>
             <a:endParaRPr lang="en-US"/>
           </a:p>
@@ -19730,8 +19950,8 @@
           </a:prstGeom>
           <a:noFill/>
           <a:extLst>
-            <a:ext uri="{909E8E84-426E-40dd-AFC4-6F175D3DCCD1}">
-              <a14:hiddenFill xmlns:a14="http://schemas.microsoft.com/office/drawing/2010/main" xmlns="">
+            <a:ext uri="{909E8E84-426E-40DD-AFC4-6F175D3DCCD1}">
+              <a14:hiddenFill xmlns:a14="http://schemas.microsoft.com/office/drawing/2010/main">
                 <a:solidFill>
                   <a:srgbClr val="FFFFFF"/>
                 </a:solidFill>
@@ -19789,8 +20009,8 @@
               <a:noFill/>
             </a:ln>
             <a:extLst>
-              <a:ext uri="{91240B29-F687-4f45-9708-019B960494DF}">
-                <a14:hiddenLine xmlns:a14="http://schemas.microsoft.com/office/drawing/2010/main" xmlns="" w="9525">
+              <a:ext uri="{91240B29-F687-4F45-9708-019B960494DF}">
+                <a14:hiddenLine xmlns:a14="http://schemas.microsoft.com/office/drawing/2010/main" w="9525">
                   <a:solidFill>
                     <a:srgbClr val="000000"/>
                   </a:solidFill>
@@ -19879,8 +20099,8 @@
               <a:noFill/>
             </a:ln>
             <a:extLst>
-              <a:ext uri="{91240B29-F687-4f45-9708-019B960494DF}">
-                <a14:hiddenLine xmlns:a14="http://schemas.microsoft.com/office/drawing/2010/main" xmlns="" w="9525">
+              <a:ext uri="{91240B29-F687-4F45-9708-019B960494DF}">
+                <a14:hiddenLine xmlns:a14="http://schemas.microsoft.com/office/drawing/2010/main" w="9525">
                   <a:solidFill>
                     <a:srgbClr val="000000"/>
                   </a:solidFill>
@@ -19969,8 +20189,8 @@
               <a:noFill/>
             </a:ln>
             <a:extLst>
-              <a:ext uri="{91240B29-F687-4f45-9708-019B960494DF}">
-                <a14:hiddenLine xmlns:a14="http://schemas.microsoft.com/office/drawing/2010/main" xmlns="" w="9525">
+              <a:ext uri="{91240B29-F687-4F45-9708-019B960494DF}">
+                <a14:hiddenLine xmlns:a14="http://schemas.microsoft.com/office/drawing/2010/main" w="9525">
                   <a:solidFill>
                     <a:srgbClr val="000000"/>
                   </a:solidFill>
@@ -20003,8 +20223,8 @@
               <a:noFill/>
             </a:ln>
             <a:extLst>
-              <a:ext uri="{91240B29-F687-4f45-9708-019B960494DF}">
-                <a14:hiddenLine xmlns:a14="http://schemas.microsoft.com/office/drawing/2010/main" xmlns="" w="9525">
+              <a:ext uri="{91240B29-F687-4F45-9708-019B960494DF}">
+                <a14:hiddenLine xmlns:a14="http://schemas.microsoft.com/office/drawing/2010/main" w="9525">
                   <a:solidFill>
                     <a:srgbClr val="000000"/>
                   </a:solidFill>
@@ -20093,8 +20313,8 @@
               <a:noFill/>
             </a:ln>
             <a:extLst>
-              <a:ext uri="{91240B29-F687-4f45-9708-019B960494DF}">
-                <a14:hiddenLine xmlns:a14="http://schemas.microsoft.com/office/drawing/2010/main" xmlns="" w="9525">
+              <a:ext uri="{91240B29-F687-4F45-9708-019B960494DF}">
+                <a14:hiddenLine xmlns:a14="http://schemas.microsoft.com/office/drawing/2010/main" w="9525">
                   <a:solidFill>
                     <a:srgbClr val="000000"/>
                   </a:solidFill>
@@ -20155,8 +20375,8 @@
               <a:noFill/>
             </a:ln>
             <a:extLst>
-              <a:ext uri="{91240B29-F687-4f45-9708-019B960494DF}">
-                <a14:hiddenLine xmlns:a14="http://schemas.microsoft.com/office/drawing/2010/main" xmlns="" w="9525">
+              <a:ext uri="{91240B29-F687-4F45-9708-019B960494DF}">
+                <a14:hiddenLine xmlns:a14="http://schemas.microsoft.com/office/drawing/2010/main" w="9525">
                   <a:solidFill>
                     <a:srgbClr val="000000"/>
                   </a:solidFill>
@@ -20217,8 +20437,8 @@
               <a:noFill/>
             </a:ln>
             <a:extLst>
-              <a:ext uri="{91240B29-F687-4f45-9708-019B960494DF}">
-                <a14:hiddenLine xmlns:a14="http://schemas.microsoft.com/office/drawing/2010/main" xmlns="" w="9525">
+              <a:ext uri="{91240B29-F687-4F45-9708-019B960494DF}">
+                <a14:hiddenLine xmlns:a14="http://schemas.microsoft.com/office/drawing/2010/main" w="9525">
                   <a:solidFill>
                     <a:srgbClr val="000000"/>
                   </a:solidFill>
@@ -20307,8 +20527,8 @@
               <a:noFill/>
             </a:ln>
             <a:extLst>
-              <a:ext uri="{91240B29-F687-4f45-9708-019B960494DF}">
-                <a14:hiddenLine xmlns:a14="http://schemas.microsoft.com/office/drawing/2010/main" xmlns="" w="9525">
+              <a:ext uri="{91240B29-F687-4F45-9708-019B960494DF}">
+                <a14:hiddenLine xmlns:a14="http://schemas.microsoft.com/office/drawing/2010/main" w="9525">
                   <a:solidFill>
                     <a:srgbClr val="000000"/>
                   </a:solidFill>
@@ -20369,8 +20589,8 @@
               <a:noFill/>
             </a:ln>
             <a:extLst>
-              <a:ext uri="{91240B29-F687-4f45-9708-019B960494DF}">
-                <a14:hiddenLine xmlns:a14="http://schemas.microsoft.com/office/drawing/2010/main" xmlns="" w="9525">
+              <a:ext uri="{91240B29-F687-4F45-9708-019B960494DF}">
+                <a14:hiddenLine xmlns:a14="http://schemas.microsoft.com/office/drawing/2010/main" w="9525">
                   <a:solidFill>
                     <a:srgbClr val="000000"/>
                   </a:solidFill>
@@ -20431,8 +20651,8 @@
               <a:noFill/>
             </a:ln>
             <a:extLst>
-              <a:ext uri="{91240B29-F687-4f45-9708-019B960494DF}">
-                <a14:hiddenLine xmlns:a14="http://schemas.microsoft.com/office/drawing/2010/main" xmlns="" w="9525">
+              <a:ext uri="{91240B29-F687-4F45-9708-019B960494DF}">
+                <a14:hiddenLine xmlns:a14="http://schemas.microsoft.com/office/drawing/2010/main" w="9525">
                   <a:solidFill>
                     <a:srgbClr val="000000"/>
                   </a:solidFill>
@@ -20521,8 +20741,8 @@
               <a:noFill/>
             </a:ln>
             <a:extLst>
-              <a:ext uri="{91240B29-F687-4f45-9708-019B960494DF}">
-                <a14:hiddenLine xmlns:a14="http://schemas.microsoft.com/office/drawing/2010/main" xmlns="" w="9525">
+              <a:ext uri="{91240B29-F687-4F45-9708-019B960494DF}">
+                <a14:hiddenLine xmlns:a14="http://schemas.microsoft.com/office/drawing/2010/main" w="9525">
                   <a:solidFill>
                     <a:srgbClr val="000000"/>
                   </a:solidFill>
@@ -20611,8 +20831,8 @@
               <a:noFill/>
             </a:ln>
             <a:extLst>
-              <a:ext uri="{91240B29-F687-4f45-9708-019B960494DF}">
-                <a14:hiddenLine xmlns:a14="http://schemas.microsoft.com/office/drawing/2010/main" xmlns="" w="9525">
+              <a:ext uri="{91240B29-F687-4F45-9708-019B960494DF}">
+                <a14:hiddenLine xmlns:a14="http://schemas.microsoft.com/office/drawing/2010/main" w="9525">
                   <a:solidFill>
                     <a:srgbClr val="000000"/>
                   </a:solidFill>
@@ -20673,8 +20893,8 @@
               <a:noFill/>
             </a:ln>
             <a:extLst>
-              <a:ext uri="{91240B29-F687-4f45-9708-019B960494DF}">
-                <a14:hiddenLine xmlns:a14="http://schemas.microsoft.com/office/drawing/2010/main" xmlns="" w="9525">
+              <a:ext uri="{91240B29-F687-4F45-9708-019B960494DF}">
+                <a14:hiddenLine xmlns:a14="http://schemas.microsoft.com/office/drawing/2010/main" w="9525">
                   <a:solidFill>
                     <a:srgbClr val="000000"/>
                   </a:solidFill>
@@ -20783,8 +21003,8 @@
               <a:noFill/>
             </a:ln>
             <a:extLst>
-              <a:ext uri="{91240B29-F687-4f45-9708-019B960494DF}">
-                <a14:hiddenLine xmlns:a14="http://schemas.microsoft.com/office/drawing/2010/main" xmlns="" w="9525">
+              <a:ext uri="{91240B29-F687-4F45-9708-019B960494DF}">
+                <a14:hiddenLine xmlns:a14="http://schemas.microsoft.com/office/drawing/2010/main" w="9525">
                   <a:solidFill>
                     <a:srgbClr val="000000"/>
                   </a:solidFill>
@@ -20845,8 +21065,8 @@
               <a:noFill/>
             </a:ln>
             <a:extLst>
-              <a:ext uri="{91240B29-F687-4f45-9708-019B960494DF}">
-                <a14:hiddenLine xmlns:a14="http://schemas.microsoft.com/office/drawing/2010/main" xmlns="" w="9525">
+              <a:ext uri="{91240B29-F687-4F45-9708-019B960494DF}">
+                <a14:hiddenLine xmlns:a14="http://schemas.microsoft.com/office/drawing/2010/main" w="9525">
                   <a:solidFill>
                     <a:srgbClr val="000000"/>
                   </a:solidFill>
@@ -20935,8 +21155,8 @@
               <a:noFill/>
             </a:ln>
             <a:extLst>
-              <a:ext uri="{91240B29-F687-4f45-9708-019B960494DF}">
-                <a14:hiddenLine xmlns:a14="http://schemas.microsoft.com/office/drawing/2010/main" xmlns="" w="9525">
+              <a:ext uri="{91240B29-F687-4F45-9708-019B960494DF}">
+                <a14:hiddenLine xmlns:a14="http://schemas.microsoft.com/office/drawing/2010/main" w="9525">
                   <a:solidFill>
                     <a:srgbClr val="000000"/>
                   </a:solidFill>
@@ -21025,8 +21245,8 @@
               <a:noFill/>
             </a:ln>
             <a:extLst>
-              <a:ext uri="{91240B29-F687-4f45-9708-019B960494DF}">
-                <a14:hiddenLine xmlns:a14="http://schemas.microsoft.com/office/drawing/2010/main" xmlns="" w="9525">
+              <a:ext uri="{91240B29-F687-4F45-9708-019B960494DF}">
+                <a14:hiddenLine xmlns:a14="http://schemas.microsoft.com/office/drawing/2010/main" w="9525">
                   <a:solidFill>
                     <a:srgbClr val="000000"/>
                   </a:solidFill>
@@ -21087,8 +21307,8 @@
               <a:noFill/>
             </a:ln>
             <a:extLst>
-              <a:ext uri="{91240B29-F687-4f45-9708-019B960494DF}">
-                <a14:hiddenLine xmlns:a14="http://schemas.microsoft.com/office/drawing/2010/main" xmlns="" w="9525">
+              <a:ext uri="{91240B29-F687-4F45-9708-019B960494DF}">
+                <a14:hiddenLine xmlns:a14="http://schemas.microsoft.com/office/drawing/2010/main" w="9525">
                   <a:solidFill>
                     <a:srgbClr val="000000"/>
                   </a:solidFill>
@@ -21177,8 +21397,8 @@
               <a:noFill/>
             </a:ln>
             <a:extLst>
-              <a:ext uri="{91240B29-F687-4f45-9708-019B960494DF}">
-                <a14:hiddenLine xmlns:a14="http://schemas.microsoft.com/office/drawing/2010/main" xmlns="" w="9525">
+              <a:ext uri="{91240B29-F687-4F45-9708-019B960494DF}">
+                <a14:hiddenLine xmlns:a14="http://schemas.microsoft.com/office/drawing/2010/main" w="9525">
                   <a:solidFill>
                     <a:srgbClr val="000000"/>
                   </a:solidFill>
@@ -21267,8 +21487,8 @@
               <a:noFill/>
             </a:ln>
             <a:extLst>
-              <a:ext uri="{91240B29-F687-4f45-9708-019B960494DF}">
-                <a14:hiddenLine xmlns:a14="http://schemas.microsoft.com/office/drawing/2010/main" xmlns="" w="9525">
+              <a:ext uri="{91240B29-F687-4F45-9708-019B960494DF}">
+                <a14:hiddenLine xmlns:a14="http://schemas.microsoft.com/office/drawing/2010/main" w="9525">
                   <a:solidFill>
                     <a:srgbClr val="000000"/>
                   </a:solidFill>
@@ -21323,8 +21543,8 @@
               <a:noFill/>
             </a:ln>
             <a:extLst>
-              <a:ext uri="{91240B29-F687-4f45-9708-019B960494DF}">
-                <a14:hiddenLine xmlns:a14="http://schemas.microsoft.com/office/drawing/2010/main" xmlns="" w="9525">
+              <a:ext uri="{91240B29-F687-4F45-9708-019B960494DF}">
+                <a14:hiddenLine xmlns:a14="http://schemas.microsoft.com/office/drawing/2010/main" w="9525">
                   <a:solidFill>
                     <a:srgbClr val="000000"/>
                   </a:solidFill>
@@ -21413,8 +21633,8 @@
               <a:noFill/>
             </a:ln>
             <a:extLst>
-              <a:ext uri="{91240B29-F687-4f45-9708-019B960494DF}">
-                <a14:hiddenLine xmlns:a14="http://schemas.microsoft.com/office/drawing/2010/main" xmlns="" w="9525">
+              <a:ext uri="{91240B29-F687-4F45-9708-019B960494DF}">
+                <a14:hiddenLine xmlns:a14="http://schemas.microsoft.com/office/drawing/2010/main" w="9525">
                   <a:solidFill>
                     <a:srgbClr val="000000"/>
                   </a:solidFill>
@@ -21469,8 +21689,8 @@
               <a:noFill/>
             </a:ln>
             <a:extLst>
-              <a:ext uri="{91240B29-F687-4f45-9708-019B960494DF}">
-                <a14:hiddenLine xmlns:a14="http://schemas.microsoft.com/office/drawing/2010/main" xmlns="" w="9525">
+              <a:ext uri="{91240B29-F687-4F45-9708-019B960494DF}">
+                <a14:hiddenLine xmlns:a14="http://schemas.microsoft.com/office/drawing/2010/main" w="9525">
                   <a:solidFill>
                     <a:srgbClr val="000000"/>
                   </a:solidFill>
@@ -21559,8 +21779,8 @@
               <a:noFill/>
             </a:ln>
             <a:extLst>
-              <a:ext uri="{91240B29-F687-4f45-9708-019B960494DF}">
-                <a14:hiddenLine xmlns:a14="http://schemas.microsoft.com/office/drawing/2010/main" xmlns="" w="9525">
+              <a:ext uri="{91240B29-F687-4F45-9708-019B960494DF}">
+                <a14:hiddenLine xmlns:a14="http://schemas.microsoft.com/office/drawing/2010/main" w="9525">
                   <a:solidFill>
                     <a:srgbClr val="000000"/>
                   </a:solidFill>
@@ -21627,8 +21847,8 @@
               <a:noFill/>
             </a:ln>
             <a:extLst>
-              <a:ext uri="{91240B29-F687-4f45-9708-019B960494DF}">
-                <a14:hiddenLine xmlns:a14="http://schemas.microsoft.com/office/drawing/2010/main" xmlns="" w="9525">
+              <a:ext uri="{91240B29-F687-4F45-9708-019B960494DF}">
+                <a14:hiddenLine xmlns:a14="http://schemas.microsoft.com/office/drawing/2010/main" w="9525">
                   <a:solidFill>
                     <a:srgbClr val="000000"/>
                   </a:solidFill>
@@ -21717,8 +21937,8 @@
               <a:noFill/>
             </a:ln>
             <a:extLst>
-              <a:ext uri="{91240B29-F687-4f45-9708-019B960494DF}">
-                <a14:hiddenLine xmlns:a14="http://schemas.microsoft.com/office/drawing/2010/main" xmlns="" w="9525">
+              <a:ext uri="{91240B29-F687-4F45-9708-019B960494DF}">
+                <a14:hiddenLine xmlns:a14="http://schemas.microsoft.com/office/drawing/2010/main" w="9525">
                   <a:solidFill>
                     <a:srgbClr val="000000"/>
                   </a:solidFill>
@@ -21785,8 +22005,8 @@
               <a:noFill/>
             </a:ln>
             <a:extLst>
-              <a:ext uri="{91240B29-F687-4f45-9708-019B960494DF}">
-                <a14:hiddenLine xmlns:a14="http://schemas.microsoft.com/office/drawing/2010/main" xmlns="" w="9525">
+              <a:ext uri="{91240B29-F687-4F45-9708-019B960494DF}">
+                <a14:hiddenLine xmlns:a14="http://schemas.microsoft.com/office/drawing/2010/main" w="9525">
                   <a:solidFill>
                     <a:srgbClr val="000000"/>
                   </a:solidFill>
@@ -21875,8 +22095,8 @@
               <a:noFill/>
             </a:ln>
             <a:extLst>
-              <a:ext uri="{91240B29-F687-4f45-9708-019B960494DF}">
-                <a14:hiddenLine xmlns:a14="http://schemas.microsoft.com/office/drawing/2010/main" xmlns="" w="9525">
+              <a:ext uri="{91240B29-F687-4F45-9708-019B960494DF}">
+                <a14:hiddenLine xmlns:a14="http://schemas.microsoft.com/office/drawing/2010/main" w="9525">
                   <a:solidFill>
                     <a:srgbClr val="000000"/>
                   </a:solidFill>
@@ -21909,8 +22129,8 @@
               <a:noFill/>
             </a:ln>
             <a:extLst>
-              <a:ext uri="{91240B29-F687-4f45-9708-019B960494DF}">
-                <a14:hiddenLine xmlns:a14="http://schemas.microsoft.com/office/drawing/2010/main" xmlns="" w="9525">
+              <a:ext uri="{91240B29-F687-4F45-9708-019B960494DF}">
+                <a14:hiddenLine xmlns:a14="http://schemas.microsoft.com/office/drawing/2010/main" w="9525">
                   <a:solidFill>
                     <a:srgbClr val="000000"/>
                   </a:solidFill>
@@ -21999,8 +22219,8 @@
               <a:noFill/>
             </a:ln>
             <a:extLst>
-              <a:ext uri="{91240B29-F687-4f45-9708-019B960494DF}">
-                <a14:hiddenLine xmlns:a14="http://schemas.microsoft.com/office/drawing/2010/main" xmlns="" w="9525">
+              <a:ext uri="{91240B29-F687-4F45-9708-019B960494DF}">
+                <a14:hiddenLine xmlns:a14="http://schemas.microsoft.com/office/drawing/2010/main" w="9525">
                   <a:solidFill>
                     <a:srgbClr val="000000"/>
                   </a:solidFill>
@@ -22061,8 +22281,8 @@
               <a:noFill/>
             </a:ln>
             <a:extLst>
-              <a:ext uri="{91240B29-F687-4f45-9708-019B960494DF}">
-                <a14:hiddenLine xmlns:a14="http://schemas.microsoft.com/office/drawing/2010/main" xmlns="" w="9525">
+              <a:ext uri="{91240B29-F687-4F45-9708-019B960494DF}">
+                <a14:hiddenLine xmlns:a14="http://schemas.microsoft.com/office/drawing/2010/main" w="9525">
                   <a:solidFill>
                     <a:srgbClr val="000000"/>
                   </a:solidFill>
@@ -22123,8 +22343,8 @@
               <a:noFill/>
             </a:ln>
             <a:extLst>
-              <a:ext uri="{91240B29-F687-4f45-9708-019B960494DF}">
-                <a14:hiddenLine xmlns:a14="http://schemas.microsoft.com/office/drawing/2010/main" xmlns="" w="9525">
+              <a:ext uri="{91240B29-F687-4F45-9708-019B960494DF}">
+                <a14:hiddenLine xmlns:a14="http://schemas.microsoft.com/office/drawing/2010/main" w="9525">
                   <a:solidFill>
                     <a:srgbClr val="000000"/>
                   </a:solidFill>
@@ -22213,8 +22433,8 @@
               <a:noFill/>
             </a:ln>
             <a:extLst>
-              <a:ext uri="{91240B29-F687-4f45-9708-019B960494DF}">
-                <a14:hiddenLine xmlns:a14="http://schemas.microsoft.com/office/drawing/2010/main" xmlns="" w="9525">
+              <a:ext uri="{91240B29-F687-4F45-9708-019B960494DF}">
+                <a14:hiddenLine xmlns:a14="http://schemas.microsoft.com/office/drawing/2010/main" w="9525">
                   <a:solidFill>
                     <a:srgbClr val="000000"/>
                   </a:solidFill>
@@ -22281,8 +22501,8 @@
               <a:noFill/>
             </a:ln>
             <a:extLst>
-              <a:ext uri="{91240B29-F687-4f45-9708-019B960494DF}">
-                <a14:hiddenLine xmlns:a14="http://schemas.microsoft.com/office/drawing/2010/main" xmlns="" w="9525">
+              <a:ext uri="{91240B29-F687-4F45-9708-019B960494DF}">
+                <a14:hiddenLine xmlns:a14="http://schemas.microsoft.com/office/drawing/2010/main" w="9525">
                   <a:solidFill>
                     <a:srgbClr val="000000"/>
                   </a:solidFill>
@@ -22343,8 +22563,8 @@
               <a:noFill/>
             </a:ln>
             <a:extLst>
-              <a:ext uri="{91240B29-F687-4f45-9708-019B960494DF}">
-                <a14:hiddenLine xmlns:a14="http://schemas.microsoft.com/office/drawing/2010/main" xmlns="" w="9525">
+              <a:ext uri="{91240B29-F687-4F45-9708-019B960494DF}">
+                <a14:hiddenLine xmlns:a14="http://schemas.microsoft.com/office/drawing/2010/main" w="9525">
                   <a:solidFill>
                     <a:srgbClr val="000000"/>
                   </a:solidFill>
@@ -22433,8 +22653,8 @@
               <a:noFill/>
             </a:ln>
             <a:extLst>
-              <a:ext uri="{91240B29-F687-4f45-9708-019B960494DF}">
-                <a14:hiddenLine xmlns:a14="http://schemas.microsoft.com/office/drawing/2010/main" xmlns="" w="9525">
+              <a:ext uri="{91240B29-F687-4F45-9708-019B960494DF}">
+                <a14:hiddenLine xmlns:a14="http://schemas.microsoft.com/office/drawing/2010/main" w="9525">
                   <a:solidFill>
                     <a:srgbClr val="000000"/>
                   </a:solidFill>
@@ -22495,8 +22715,8 @@
               <a:noFill/>
             </a:ln>
             <a:extLst>
-              <a:ext uri="{91240B29-F687-4f45-9708-019B960494DF}">
-                <a14:hiddenLine xmlns:a14="http://schemas.microsoft.com/office/drawing/2010/main" xmlns="" w="9525">
+              <a:ext uri="{91240B29-F687-4F45-9708-019B960494DF}">
+                <a14:hiddenLine xmlns:a14="http://schemas.microsoft.com/office/drawing/2010/main" w="9525">
                   <a:solidFill>
                     <a:srgbClr val="000000"/>
                   </a:solidFill>
@@ -22585,8 +22805,8 @@
               <a:noFill/>
             </a:ln>
             <a:extLst>
-              <a:ext uri="{91240B29-F687-4f45-9708-019B960494DF}">
-                <a14:hiddenLine xmlns:a14="http://schemas.microsoft.com/office/drawing/2010/main" xmlns="" w="9525">
+              <a:ext uri="{91240B29-F687-4F45-9708-019B960494DF}">
+                <a14:hiddenLine xmlns:a14="http://schemas.microsoft.com/office/drawing/2010/main" w="9525">
                   <a:solidFill>
                     <a:srgbClr val="000000"/>
                   </a:solidFill>
@@ -22647,8 +22867,8 @@
               <a:noFill/>
             </a:ln>
             <a:extLst>
-              <a:ext uri="{91240B29-F687-4f45-9708-019B960494DF}">
-                <a14:hiddenLine xmlns:a14="http://schemas.microsoft.com/office/drawing/2010/main" xmlns="" w="9525">
+              <a:ext uri="{91240B29-F687-4F45-9708-019B960494DF}">
+                <a14:hiddenLine xmlns:a14="http://schemas.microsoft.com/office/drawing/2010/main" w="9525">
                   <a:solidFill>
                     <a:srgbClr val="000000"/>
                   </a:solidFill>
@@ -22737,8 +22957,8 @@
               <a:noFill/>
             </a:ln>
             <a:extLst>
-              <a:ext uri="{91240B29-F687-4f45-9708-019B960494DF}">
-                <a14:hiddenLine xmlns:a14="http://schemas.microsoft.com/office/drawing/2010/main" xmlns="" w="9525">
+              <a:ext uri="{91240B29-F687-4F45-9708-019B960494DF}">
+                <a14:hiddenLine xmlns:a14="http://schemas.microsoft.com/office/drawing/2010/main" w="9525">
                   <a:solidFill>
                     <a:srgbClr val="000000"/>
                   </a:solidFill>
@@ -22771,8 +22991,8 @@
               <a:noFill/>
             </a:ln>
             <a:extLst>
-              <a:ext uri="{91240B29-F687-4f45-9708-019B960494DF}">
-                <a14:hiddenLine xmlns:a14="http://schemas.microsoft.com/office/drawing/2010/main" xmlns="" w="9525">
+              <a:ext uri="{91240B29-F687-4F45-9708-019B960494DF}">
+                <a14:hiddenLine xmlns:a14="http://schemas.microsoft.com/office/drawing/2010/main" w="9525">
                   <a:solidFill>
                     <a:srgbClr val="000000"/>
                   </a:solidFill>
@@ -22836,8 +23056,8 @@
               <a:noFill/>
             </a:ln>
             <a:extLst>
-              <a:ext uri="{91240B29-F687-4f45-9708-019B960494DF}">
-                <a14:hiddenLine xmlns:a14="http://schemas.microsoft.com/office/drawing/2010/main" xmlns="" w="9525">
+              <a:ext uri="{91240B29-F687-4F45-9708-019B960494DF}">
+                <a14:hiddenLine xmlns:a14="http://schemas.microsoft.com/office/drawing/2010/main" w="9525">
                   <a:solidFill>
                     <a:srgbClr val="000000"/>
                   </a:solidFill>
@@ -22926,8 +23146,8 @@
               <a:noFill/>
             </a:ln>
             <a:extLst>
-              <a:ext uri="{91240B29-F687-4f45-9708-019B960494DF}">
-                <a14:hiddenLine xmlns:a14="http://schemas.microsoft.com/office/drawing/2010/main" xmlns="" w="9525">
+              <a:ext uri="{91240B29-F687-4F45-9708-019B960494DF}">
+                <a14:hiddenLine xmlns:a14="http://schemas.microsoft.com/office/drawing/2010/main" w="9525">
                   <a:solidFill>
                     <a:srgbClr val="000000"/>
                   </a:solidFill>
@@ -22988,8 +23208,8 @@
               <a:noFill/>
             </a:ln>
             <a:extLst>
-              <a:ext uri="{91240B29-F687-4f45-9708-019B960494DF}">
-                <a14:hiddenLine xmlns:a14="http://schemas.microsoft.com/office/drawing/2010/main" xmlns="" w="9525">
+              <a:ext uri="{91240B29-F687-4F45-9708-019B960494DF}">
+                <a14:hiddenLine xmlns:a14="http://schemas.microsoft.com/office/drawing/2010/main" w="9525">
                   <a:solidFill>
                     <a:srgbClr val="000000"/>
                   </a:solidFill>
@@ -23078,8 +23298,8 @@
               <a:noFill/>
             </a:ln>
             <a:extLst>
-              <a:ext uri="{91240B29-F687-4f45-9708-019B960494DF}">
-                <a14:hiddenLine xmlns:a14="http://schemas.microsoft.com/office/drawing/2010/main" xmlns="" w="9525">
+              <a:ext uri="{91240B29-F687-4F45-9708-019B960494DF}">
+                <a14:hiddenLine xmlns:a14="http://schemas.microsoft.com/office/drawing/2010/main" w="9525">
                   <a:solidFill>
                     <a:srgbClr val="000000"/>
                   </a:solidFill>
@@ -23168,8 +23388,8 @@
               <a:noFill/>
             </a:ln>
             <a:extLst>
-              <a:ext uri="{91240B29-F687-4f45-9708-019B960494DF}">
-                <a14:hiddenLine xmlns:a14="http://schemas.microsoft.com/office/drawing/2010/main" xmlns="" w="9525">
+              <a:ext uri="{91240B29-F687-4F45-9708-019B960494DF}">
+                <a14:hiddenLine xmlns:a14="http://schemas.microsoft.com/office/drawing/2010/main" w="9525">
                   <a:solidFill>
                     <a:srgbClr val="000000"/>
                   </a:solidFill>
@@ -23233,8 +23453,8 @@
               <a:noFill/>
             </a:ln>
             <a:extLst>
-              <a:ext uri="{91240B29-F687-4f45-9708-019B960494DF}">
-                <a14:hiddenLine xmlns:a14="http://schemas.microsoft.com/office/drawing/2010/main" xmlns="" w="9525">
+              <a:ext uri="{91240B29-F687-4F45-9708-019B960494DF}">
+                <a14:hiddenLine xmlns:a14="http://schemas.microsoft.com/office/drawing/2010/main" w="9525">
                   <a:solidFill>
                     <a:srgbClr val="000000"/>
                   </a:solidFill>
@@ -23295,8 +23515,8 @@
               <a:noFill/>
             </a:ln>
             <a:extLst>
-              <a:ext uri="{91240B29-F687-4f45-9708-019B960494DF}">
-                <a14:hiddenLine xmlns:a14="http://schemas.microsoft.com/office/drawing/2010/main" xmlns="" w="9525">
+              <a:ext uri="{91240B29-F687-4F45-9708-019B960494DF}">
+                <a14:hiddenLine xmlns:a14="http://schemas.microsoft.com/office/drawing/2010/main" w="9525">
                   <a:solidFill>
                     <a:srgbClr val="000000"/>
                   </a:solidFill>
@@ -23385,8 +23605,8 @@
               <a:noFill/>
             </a:ln>
             <a:extLst>
-              <a:ext uri="{91240B29-F687-4f45-9708-019B960494DF}">
-                <a14:hiddenLine xmlns:a14="http://schemas.microsoft.com/office/drawing/2010/main" xmlns="" w="9525">
+              <a:ext uri="{91240B29-F687-4F45-9708-019B960494DF}">
+                <a14:hiddenLine xmlns:a14="http://schemas.microsoft.com/office/drawing/2010/main" w="9525">
                   <a:solidFill>
                     <a:srgbClr val="000000"/>
                   </a:solidFill>
@@ -23475,8 +23695,8 @@
               <a:noFill/>
             </a:ln>
             <a:extLst>
-              <a:ext uri="{91240B29-F687-4f45-9708-019B960494DF}">
-                <a14:hiddenLine xmlns:a14="http://schemas.microsoft.com/office/drawing/2010/main" xmlns="" w="9525">
+              <a:ext uri="{91240B29-F687-4F45-9708-019B960494DF}">
+                <a14:hiddenLine xmlns:a14="http://schemas.microsoft.com/office/drawing/2010/main" w="9525">
                   <a:solidFill>
                     <a:srgbClr val="000000"/>
                   </a:solidFill>
@@ -23537,8 +23757,8 @@
               <a:noFill/>
             </a:ln>
             <a:extLst>
-              <a:ext uri="{91240B29-F687-4f45-9708-019B960494DF}">
-                <a14:hiddenLine xmlns:a14="http://schemas.microsoft.com/office/drawing/2010/main" xmlns="" w="9525">
+              <a:ext uri="{91240B29-F687-4F45-9708-019B960494DF}">
+                <a14:hiddenLine xmlns:a14="http://schemas.microsoft.com/office/drawing/2010/main" w="9525">
                   <a:solidFill>
                     <a:srgbClr val="000000"/>
                   </a:solidFill>
@@ -23657,8 +23877,8 @@
               <a:noFill/>
             </a:ln>
             <a:extLst>
-              <a:ext uri="{91240B29-F687-4f45-9708-019B960494DF}">
-                <a14:hiddenLine xmlns:a14="http://schemas.microsoft.com/office/drawing/2010/main" xmlns="" w="9525">
+              <a:ext uri="{91240B29-F687-4F45-9708-019B960494DF}">
+                <a14:hiddenLine xmlns:a14="http://schemas.microsoft.com/office/drawing/2010/main" w="9525">
                   <a:solidFill>
                     <a:srgbClr val="000000"/>
                   </a:solidFill>
@@ -23725,8 +23945,8 @@
               <a:noFill/>
             </a:ln>
             <a:extLst>
-              <a:ext uri="{91240B29-F687-4f45-9708-019B960494DF}">
-                <a14:hiddenLine xmlns:a14="http://schemas.microsoft.com/office/drawing/2010/main" xmlns="" w="9525">
+              <a:ext uri="{91240B29-F687-4F45-9708-019B960494DF}">
+                <a14:hiddenLine xmlns:a14="http://schemas.microsoft.com/office/drawing/2010/main" w="9525">
                   <a:solidFill>
                     <a:srgbClr val="000000"/>
                   </a:solidFill>
@@ -23815,8 +24035,8 @@
               <a:noFill/>
             </a:ln>
             <a:extLst>
-              <a:ext uri="{91240B29-F687-4f45-9708-019B960494DF}">
-                <a14:hiddenLine xmlns:a14="http://schemas.microsoft.com/office/drawing/2010/main" xmlns="" w="9525">
+              <a:ext uri="{91240B29-F687-4F45-9708-019B960494DF}">
+                <a14:hiddenLine xmlns:a14="http://schemas.microsoft.com/office/drawing/2010/main" w="9525">
                   <a:solidFill>
                     <a:srgbClr val="000000"/>
                   </a:solidFill>
@@ -23956,7 +24176,7 @@
           <a:p>
             <a:fld id="{48A87A34-81AB-432B-8DAE-1953F412C126}" type="datetimeFigureOut">
               <a:rPr lang="en-US" smtClean="0"/>
-              <a:t>9/24/2018</a:t>
+              <a:t>24-Sep-18</a:t>
             </a:fld>
             <a:endParaRPr lang="en-US" dirty="0"/>
           </a:p>
@@ -24191,7 +24411,7 @@
           <a:p>
             <a:fld id="{48A87A34-81AB-432B-8DAE-1953F412C126}" type="datetimeFigureOut">
               <a:rPr lang="en-US" smtClean="0"/>
-              <a:t>9/24/2018</a:t>
+              <a:t>24-Sep-18</a:t>
             </a:fld>
             <a:endParaRPr lang="en-US" dirty="0"/>
           </a:p>
@@ -24441,7 +24661,7 @@
           <a:p>
             <a:fld id="{48A87A34-81AB-432B-8DAE-1953F412C126}" type="datetimeFigureOut">
               <a:rPr lang="en-US" smtClean="0"/>
-              <a:t>9/24/2018</a:t>
+              <a:t>24-Sep-18</a:t>
             </a:fld>
             <a:endParaRPr lang="en-US" dirty="0"/>
           </a:p>
@@ -24673,7 +24893,7 @@
           <a:p>
             <a:fld id="{48A87A34-81AB-432B-8DAE-1953F412C126}" type="datetimeFigureOut">
               <a:rPr lang="en-US" smtClean="0"/>
-              <a:t>9/24/2018</a:t>
+              <a:t>24-Sep-18</a:t>
             </a:fld>
             <a:endParaRPr lang="en-US" dirty="0"/>
           </a:p>
@@ -25054,7 +25274,7 @@
           <a:p>
             <a:fld id="{48A87A34-81AB-432B-8DAE-1953F412C126}" type="datetimeFigureOut">
               <a:rPr lang="en-US" smtClean="0"/>
-              <a:t>9/24/2018</a:t>
+              <a:t>24-Sep-18</a:t>
             </a:fld>
             <a:endParaRPr lang="en-US" dirty="0"/>
           </a:p>
@@ -25172,7 +25392,7 @@
           <a:p>
             <a:fld id="{48A87A34-81AB-432B-8DAE-1953F412C126}" type="datetimeFigureOut">
               <a:rPr lang="en-US" smtClean="0"/>
-              <a:t>9/24/2018</a:t>
+              <a:t>24-Sep-18</a:t>
             </a:fld>
             <a:endParaRPr lang="en-US" dirty="0"/>
           </a:p>
@@ -25267,7 +25487,7 @@
           <a:p>
             <a:fld id="{48A87A34-81AB-432B-8DAE-1953F412C126}" type="datetimeFigureOut">
               <a:rPr lang="en-US" smtClean="0"/>
-              <a:t>9/24/2018</a:t>
+              <a:t>24-Sep-18</a:t>
             </a:fld>
             <a:endParaRPr lang="en-US" dirty="0"/>
           </a:p>
@@ -25516,7 +25736,7 @@
           <a:p>
             <a:fld id="{48A87A34-81AB-432B-8DAE-1953F412C126}" type="datetimeFigureOut">
               <a:rPr lang="en-US" smtClean="0"/>
-              <a:t>9/24/2018</a:t>
+              <a:t>24-Sep-18</a:t>
             </a:fld>
             <a:endParaRPr lang="en-US" dirty="0"/>
           </a:p>
@@ -25796,7 +26016,7 @@
           <a:p>
             <a:fld id="{48A87A34-81AB-432B-8DAE-1953F412C126}" type="datetimeFigureOut">
               <a:rPr lang="en-US" smtClean="0"/>
-              <a:t>9/24/2018</a:t>
+              <a:t>24-Sep-18</a:t>
             </a:fld>
             <a:endParaRPr lang="en-US" dirty="0"/>
           </a:p>
@@ -26053,7 +26273,7 @@
           <a:p>
             <a:fld id="{48A87A34-81AB-432B-8DAE-1953F412C126}" type="datetimeFigureOut">
               <a:rPr lang="en-US" smtClean="0"/>
-              <a:t>9/24/2018</a:t>
+              <a:t>24-Sep-18</a:t>
             </a:fld>
             <a:endParaRPr lang="en-US" dirty="0"/>
           </a:p>
@@ -26249,7 +26469,7 @@
           <a:p>
             <a:fld id="{48A87A34-81AB-432B-8DAE-1953F412C126}" type="datetimeFigureOut">
               <a:rPr lang="en-US" smtClean="0"/>
-              <a:t>9/24/2018</a:t>
+              <a:t>24-Sep-18</a:t>
             </a:fld>
             <a:endParaRPr lang="en-US" dirty="0"/>
           </a:p>
@@ -26567,7 +26787,7 @@
           <a:p>
             <a:fld id="{48A87A34-81AB-432B-8DAE-1953F412C126}" type="datetimeFigureOut">
               <a:rPr lang="en-US" smtClean="0"/>
-              <a:t>9/24/2018</a:t>
+              <a:t>24-Sep-18</a:t>
             </a:fld>
             <a:endParaRPr lang="en-US" dirty="0"/>
           </a:p>
@@ -27001,7 +27221,7 @@
           <a:p>
             <a:fld id="{48A87A34-81AB-432B-8DAE-1953F412C126}" type="datetimeFigureOut">
               <a:rPr lang="en-US" smtClean="0"/>
-              <a:t>9/24/2018</a:t>
+              <a:t>24-Sep-18</a:t>
             </a:fld>
             <a:endParaRPr lang="en-US" dirty="0"/>
           </a:p>
@@ -27547,7 +27767,7 @@
           <a:p>
             <a:fld id="{48A87A34-81AB-432B-8DAE-1953F412C126}" type="datetimeFigureOut">
               <a:rPr lang="en-US" smtClean="0"/>
-              <a:t>9/24/2018</a:t>
+              <a:t>24-Sep-18</a:t>
             </a:fld>
             <a:endParaRPr lang="en-US" dirty="0"/>
           </a:p>
@@ -28267,7 +28487,7 @@
           <a:p>
             <a:fld id="{48A87A34-81AB-432B-8DAE-1953F412C126}" type="datetimeFigureOut">
               <a:rPr lang="en-US" smtClean="0"/>
-              <a:t>9/24/2018</a:t>
+              <a:t>24-Sep-18</a:t>
             </a:fld>
             <a:endParaRPr lang="en-US" dirty="0"/>
           </a:p>
@@ -28437,7 +28657,7 @@
           <a:p>
             <a:fld id="{48A87A34-81AB-432B-8DAE-1953F412C126}" type="datetimeFigureOut">
               <a:rPr lang="en-US" smtClean="0"/>
-              <a:t>9/24/2018</a:t>
+              <a:t>24-Sep-18</a:t>
             </a:fld>
             <a:endParaRPr lang="en-US" dirty="0"/>
           </a:p>
@@ -28617,7 +28837,7 @@
           <a:p>
             <a:fld id="{48A87A34-81AB-432B-8DAE-1953F412C126}" type="datetimeFigureOut">
               <a:rPr lang="en-US" smtClean="0"/>
-              <a:t>9/24/2018</a:t>
+              <a:t>24-Sep-18</a:t>
             </a:fld>
             <a:endParaRPr lang="en-US" dirty="0"/>
           </a:p>
@@ -31319,8 +31539,8 @@
           </a:prstGeom>
           <a:noFill/>
           <a:extLst>
-            <a:ext uri="{909E8E84-426E-40dd-AFC4-6F175D3DCCD1}">
-              <a14:hiddenFill xmlns:a14="http://schemas.microsoft.com/office/drawing/2010/main" xmlns="">
+            <a:ext uri="{909E8E84-426E-40DD-AFC4-6F175D3DCCD1}">
+              <a14:hiddenFill xmlns:a14="http://schemas.microsoft.com/office/drawing/2010/main">
                 <a:solidFill>
                   <a:srgbClr val="FFFFFF"/>
                 </a:solidFill>
@@ -31393,8 +31613,8 @@
                 <a:noFill/>
               </a:ln>
               <a:extLst>
-                <a:ext uri="{91240B29-F687-4f45-9708-019B960494DF}">
-                  <a14:hiddenLine xmlns:a14="http://schemas.microsoft.com/office/drawing/2010/main" xmlns="" w="9525">
+                <a:ext uri="{91240B29-F687-4F45-9708-019B960494DF}">
+                  <a14:hiddenLine xmlns:a14="http://schemas.microsoft.com/office/drawing/2010/main" w="9525">
                     <a:solidFill>
                       <a:srgbClr val="000000"/>
                     </a:solidFill>
@@ -31483,8 +31703,8 @@
                 <a:noFill/>
               </a:ln>
               <a:extLst>
-                <a:ext uri="{91240B29-F687-4f45-9708-019B960494DF}">
-                  <a14:hiddenLine xmlns:a14="http://schemas.microsoft.com/office/drawing/2010/main" xmlns="" w="9525">
+                <a:ext uri="{91240B29-F687-4F45-9708-019B960494DF}">
+                  <a14:hiddenLine xmlns:a14="http://schemas.microsoft.com/office/drawing/2010/main" w="9525">
                     <a:solidFill>
                       <a:srgbClr val="000000"/>
                     </a:solidFill>
@@ -31573,8 +31793,8 @@
                 <a:noFill/>
               </a:ln>
               <a:extLst>
-                <a:ext uri="{91240B29-F687-4f45-9708-019B960494DF}">
-                  <a14:hiddenLine xmlns:a14="http://schemas.microsoft.com/office/drawing/2010/main" xmlns="" w="9525">
+                <a:ext uri="{91240B29-F687-4F45-9708-019B960494DF}">
+                  <a14:hiddenLine xmlns:a14="http://schemas.microsoft.com/office/drawing/2010/main" w="9525">
                     <a:solidFill>
                       <a:srgbClr val="000000"/>
                     </a:solidFill>
@@ -31635,8 +31855,8 @@
                 <a:noFill/>
               </a:ln>
               <a:extLst>
-                <a:ext uri="{91240B29-F687-4f45-9708-019B960494DF}">
-                  <a14:hiddenLine xmlns:a14="http://schemas.microsoft.com/office/drawing/2010/main" xmlns="" w="9525">
+                <a:ext uri="{91240B29-F687-4F45-9708-019B960494DF}">
+                  <a14:hiddenLine xmlns:a14="http://schemas.microsoft.com/office/drawing/2010/main" w="9525">
                     <a:solidFill>
                       <a:srgbClr val="000000"/>
                     </a:solidFill>
@@ -31725,8 +31945,8 @@
                 <a:noFill/>
               </a:ln>
               <a:extLst>
-                <a:ext uri="{91240B29-F687-4f45-9708-019B960494DF}">
-                  <a14:hiddenLine xmlns:a14="http://schemas.microsoft.com/office/drawing/2010/main" xmlns="" w="9525">
+                <a:ext uri="{91240B29-F687-4F45-9708-019B960494DF}">
+                  <a14:hiddenLine xmlns:a14="http://schemas.microsoft.com/office/drawing/2010/main" w="9525">
                     <a:solidFill>
                       <a:srgbClr val="000000"/>
                     </a:solidFill>
@@ -31787,8 +32007,8 @@
                 <a:noFill/>
               </a:ln>
               <a:extLst>
-                <a:ext uri="{91240B29-F687-4f45-9708-019B960494DF}">
-                  <a14:hiddenLine xmlns:a14="http://schemas.microsoft.com/office/drawing/2010/main" xmlns="" w="9525">
+                <a:ext uri="{91240B29-F687-4F45-9708-019B960494DF}">
+                  <a14:hiddenLine xmlns:a14="http://schemas.microsoft.com/office/drawing/2010/main" w="9525">
                     <a:solidFill>
                       <a:srgbClr val="000000"/>
                     </a:solidFill>
@@ -31849,8 +32069,8 @@
                 <a:noFill/>
               </a:ln>
               <a:extLst>
-                <a:ext uri="{91240B29-F687-4f45-9708-019B960494DF}">
-                  <a14:hiddenLine xmlns:a14="http://schemas.microsoft.com/office/drawing/2010/main" xmlns="" w="9525">
+                <a:ext uri="{91240B29-F687-4F45-9708-019B960494DF}">
+                  <a14:hiddenLine xmlns:a14="http://schemas.microsoft.com/office/drawing/2010/main" w="9525">
                     <a:solidFill>
                       <a:srgbClr val="000000"/>
                     </a:solidFill>
@@ -31939,8 +32159,8 @@
                 <a:noFill/>
               </a:ln>
               <a:extLst>
-                <a:ext uri="{91240B29-F687-4f45-9708-019B960494DF}">
-                  <a14:hiddenLine xmlns:a14="http://schemas.microsoft.com/office/drawing/2010/main" xmlns="" w="9525">
+                <a:ext uri="{91240B29-F687-4F45-9708-019B960494DF}">
+                  <a14:hiddenLine xmlns:a14="http://schemas.microsoft.com/office/drawing/2010/main" w="9525">
                     <a:solidFill>
                       <a:srgbClr val="000000"/>
                     </a:solidFill>
@@ -32029,8 +32249,8 @@
                 <a:noFill/>
               </a:ln>
               <a:extLst>
-                <a:ext uri="{91240B29-F687-4f45-9708-019B960494DF}">
-                  <a14:hiddenLine xmlns:a14="http://schemas.microsoft.com/office/drawing/2010/main" xmlns="" w="9525">
+                <a:ext uri="{91240B29-F687-4F45-9708-019B960494DF}">
+                  <a14:hiddenLine xmlns:a14="http://schemas.microsoft.com/office/drawing/2010/main" w="9525">
                     <a:solidFill>
                       <a:srgbClr val="000000"/>
                     </a:solidFill>
@@ -32091,8 +32311,8 @@
                 <a:noFill/>
               </a:ln>
               <a:extLst>
-                <a:ext uri="{91240B29-F687-4f45-9708-019B960494DF}">
-                  <a14:hiddenLine xmlns:a14="http://schemas.microsoft.com/office/drawing/2010/main" xmlns="" w="9525">
+                <a:ext uri="{91240B29-F687-4F45-9708-019B960494DF}">
+                  <a14:hiddenLine xmlns:a14="http://schemas.microsoft.com/office/drawing/2010/main" w="9525">
                     <a:solidFill>
                       <a:srgbClr val="000000"/>
                     </a:solidFill>
@@ -32201,8 +32421,8 @@
                 <a:noFill/>
               </a:ln>
               <a:extLst>
-                <a:ext uri="{91240B29-F687-4f45-9708-019B960494DF}">
-                  <a14:hiddenLine xmlns:a14="http://schemas.microsoft.com/office/drawing/2010/main" xmlns="" w="9525">
+                <a:ext uri="{91240B29-F687-4F45-9708-019B960494DF}">
+                  <a14:hiddenLine xmlns:a14="http://schemas.microsoft.com/office/drawing/2010/main" w="9525">
                     <a:solidFill>
                       <a:srgbClr val="000000"/>
                     </a:solidFill>
@@ -32285,8 +32505,8 @@
                 <a:noFill/>
               </a:ln>
               <a:extLst>
-                <a:ext uri="{91240B29-F687-4f45-9708-019B960494DF}">
-                  <a14:hiddenLine xmlns:a14="http://schemas.microsoft.com/office/drawing/2010/main" xmlns="" w="9525">
+                <a:ext uri="{91240B29-F687-4F45-9708-019B960494DF}">
+                  <a14:hiddenLine xmlns:a14="http://schemas.microsoft.com/office/drawing/2010/main" w="9525">
                     <a:solidFill>
                       <a:srgbClr val="000000"/>
                     </a:solidFill>
@@ -32347,8 +32567,8 @@
                 <a:noFill/>
               </a:ln>
               <a:extLst>
-                <a:ext uri="{91240B29-F687-4f45-9708-019B960494DF}">
-                  <a14:hiddenLine xmlns:a14="http://schemas.microsoft.com/office/drawing/2010/main" xmlns="" w="9525">
+                <a:ext uri="{91240B29-F687-4F45-9708-019B960494DF}">
+                  <a14:hiddenLine xmlns:a14="http://schemas.microsoft.com/office/drawing/2010/main" w="9525">
                     <a:solidFill>
                       <a:srgbClr val="000000"/>
                     </a:solidFill>
@@ -32409,8 +32629,8 @@
                 <a:noFill/>
               </a:ln>
               <a:extLst>
-                <a:ext uri="{91240B29-F687-4f45-9708-019B960494DF}">
-                  <a14:hiddenLine xmlns:a14="http://schemas.microsoft.com/office/drawing/2010/main" xmlns="" w="9525">
+                <a:ext uri="{91240B29-F687-4F45-9708-019B960494DF}">
+                  <a14:hiddenLine xmlns:a14="http://schemas.microsoft.com/office/drawing/2010/main" w="9525">
                     <a:solidFill>
                       <a:srgbClr val="000000"/>
                     </a:solidFill>
@@ -32499,8 +32719,8 @@
                 <a:noFill/>
               </a:ln>
               <a:extLst>
-                <a:ext uri="{91240B29-F687-4f45-9708-019B960494DF}">
-                  <a14:hiddenLine xmlns:a14="http://schemas.microsoft.com/office/drawing/2010/main" xmlns="" w="9525">
+                <a:ext uri="{91240B29-F687-4F45-9708-019B960494DF}">
+                  <a14:hiddenLine xmlns:a14="http://schemas.microsoft.com/office/drawing/2010/main" w="9525">
                     <a:solidFill>
                       <a:srgbClr val="000000"/>
                     </a:solidFill>
@@ -32533,8 +32753,8 @@
                 <a:noFill/>
               </a:ln>
               <a:extLst>
-                <a:ext uri="{91240B29-F687-4f45-9708-019B960494DF}">
-                  <a14:hiddenLine xmlns:a14="http://schemas.microsoft.com/office/drawing/2010/main" xmlns="" w="9525">
+                <a:ext uri="{91240B29-F687-4F45-9708-019B960494DF}">
+                  <a14:hiddenLine xmlns:a14="http://schemas.microsoft.com/office/drawing/2010/main" w="9525">
                     <a:solidFill>
                       <a:srgbClr val="000000"/>
                     </a:solidFill>
@@ -32598,8 +32818,8 @@
                 <a:noFill/>
               </a:ln>
               <a:extLst>
-                <a:ext uri="{91240B29-F687-4f45-9708-019B960494DF}">
-                  <a14:hiddenLine xmlns:a14="http://schemas.microsoft.com/office/drawing/2010/main" xmlns="" w="9525">
+                <a:ext uri="{91240B29-F687-4F45-9708-019B960494DF}">
+                  <a14:hiddenLine xmlns:a14="http://schemas.microsoft.com/office/drawing/2010/main" w="9525">
                     <a:solidFill>
                       <a:srgbClr val="000000"/>
                     </a:solidFill>
@@ -32688,8 +32908,8 @@
                 <a:noFill/>
               </a:ln>
               <a:extLst>
-                <a:ext uri="{91240B29-F687-4f45-9708-019B960494DF}">
-                  <a14:hiddenLine xmlns:a14="http://schemas.microsoft.com/office/drawing/2010/main" xmlns="" w="9525">
+                <a:ext uri="{91240B29-F687-4F45-9708-019B960494DF}">
+                  <a14:hiddenLine xmlns:a14="http://schemas.microsoft.com/office/drawing/2010/main" w="9525">
                     <a:solidFill>
                       <a:srgbClr val="000000"/>
                     </a:solidFill>
@@ -32750,8 +32970,8 @@
                 <a:noFill/>
               </a:ln>
               <a:extLst>
-                <a:ext uri="{91240B29-F687-4f45-9708-019B960494DF}">
-                  <a14:hiddenLine xmlns:a14="http://schemas.microsoft.com/office/drawing/2010/main" xmlns="" w="9525">
+                <a:ext uri="{91240B29-F687-4F45-9708-019B960494DF}">
+                  <a14:hiddenLine xmlns:a14="http://schemas.microsoft.com/office/drawing/2010/main" w="9525">
                     <a:solidFill>
                       <a:srgbClr val="000000"/>
                     </a:solidFill>
@@ -32840,8 +33060,8 @@
                 <a:noFill/>
               </a:ln>
               <a:extLst>
-                <a:ext uri="{91240B29-F687-4f45-9708-019B960494DF}">
-                  <a14:hiddenLine xmlns:a14="http://schemas.microsoft.com/office/drawing/2010/main" xmlns="" w="9525">
+                <a:ext uri="{91240B29-F687-4F45-9708-019B960494DF}">
+                  <a14:hiddenLine xmlns:a14="http://schemas.microsoft.com/office/drawing/2010/main" w="9525">
                     <a:solidFill>
                       <a:srgbClr val="000000"/>
                     </a:solidFill>
@@ -32905,8 +33125,8 @@
                 <a:noFill/>
               </a:ln>
               <a:extLst>
-                <a:ext uri="{91240B29-F687-4f45-9708-019B960494DF}">
-                  <a14:hiddenLine xmlns:a14="http://schemas.microsoft.com/office/drawing/2010/main" xmlns="" w="9525">
+                <a:ext uri="{91240B29-F687-4F45-9708-019B960494DF}">
+                  <a14:hiddenLine xmlns:a14="http://schemas.microsoft.com/office/drawing/2010/main" w="9525">
                     <a:solidFill>
                       <a:srgbClr val="000000"/>
                     </a:solidFill>
@@ -32967,8 +33187,8 @@
                 <a:noFill/>
               </a:ln>
               <a:extLst>
-                <a:ext uri="{91240B29-F687-4f45-9708-019B960494DF}">
-                  <a14:hiddenLine xmlns:a14="http://schemas.microsoft.com/office/drawing/2010/main" xmlns="" w="9525">
+                <a:ext uri="{91240B29-F687-4F45-9708-019B960494DF}">
+                  <a14:hiddenLine xmlns:a14="http://schemas.microsoft.com/office/drawing/2010/main" w="9525">
                     <a:solidFill>
                       <a:srgbClr val="000000"/>
                     </a:solidFill>
@@ -33057,8 +33277,8 @@
                 <a:noFill/>
               </a:ln>
               <a:extLst>
-                <a:ext uri="{91240B29-F687-4f45-9708-019B960494DF}">
-                  <a14:hiddenLine xmlns:a14="http://schemas.microsoft.com/office/drawing/2010/main" xmlns="" w="9525">
+                <a:ext uri="{91240B29-F687-4F45-9708-019B960494DF}">
+                  <a14:hiddenLine xmlns:a14="http://schemas.microsoft.com/office/drawing/2010/main" w="9525">
                     <a:solidFill>
                       <a:srgbClr val="000000"/>
                     </a:solidFill>
@@ -33147,8 +33367,8 @@
                 <a:noFill/>
               </a:ln>
               <a:extLst>
-                <a:ext uri="{91240B29-F687-4f45-9708-019B960494DF}">
-                  <a14:hiddenLine xmlns:a14="http://schemas.microsoft.com/office/drawing/2010/main" xmlns="" w="9525">
+                <a:ext uri="{91240B29-F687-4F45-9708-019B960494DF}">
+                  <a14:hiddenLine xmlns:a14="http://schemas.microsoft.com/office/drawing/2010/main" w="9525">
                     <a:solidFill>
                       <a:srgbClr val="000000"/>
                     </a:solidFill>
@@ -33212,8 +33432,8 @@
                 <a:noFill/>
               </a:ln>
               <a:extLst>
-                <a:ext uri="{91240B29-F687-4f45-9708-019B960494DF}">
-                  <a14:hiddenLine xmlns:a14="http://schemas.microsoft.com/office/drawing/2010/main" xmlns="" w="9525">
+                <a:ext uri="{91240B29-F687-4F45-9708-019B960494DF}">
+                  <a14:hiddenLine xmlns:a14="http://schemas.microsoft.com/office/drawing/2010/main" w="9525">
                     <a:solidFill>
                       <a:srgbClr val="000000"/>
                     </a:solidFill>
@@ -33332,8 +33552,8 @@
                 <a:noFill/>
               </a:ln>
               <a:extLst>
-                <a:ext uri="{91240B29-F687-4f45-9708-019B960494DF}">
-                  <a14:hiddenLine xmlns:a14="http://schemas.microsoft.com/office/drawing/2010/main" xmlns="" w="9525">
+                <a:ext uri="{91240B29-F687-4F45-9708-019B960494DF}">
+                  <a14:hiddenLine xmlns:a14="http://schemas.microsoft.com/office/drawing/2010/main" w="9525">
                     <a:solidFill>
                       <a:srgbClr val="000000"/>
                     </a:solidFill>
@@ -33413,8 +33633,8 @@
                 <a:noFill/>
               </a:ln>
               <a:extLst>
-                <a:ext uri="{91240B29-F687-4f45-9708-019B960494DF}">
-                  <a14:hiddenLine xmlns:a14="http://schemas.microsoft.com/office/drawing/2010/main" xmlns="" w="9525">
+                <a:ext uri="{91240B29-F687-4F45-9708-019B960494DF}">
+                  <a14:hiddenLine xmlns:a14="http://schemas.microsoft.com/office/drawing/2010/main" w="9525">
                     <a:solidFill>
                       <a:srgbClr val="000000"/>
                     </a:solidFill>
@@ -33528,8 +33748,8 @@
                 <a:noFill/>
               </a:ln>
               <a:extLst>
-                <a:ext uri="{91240B29-F687-4f45-9708-019B960494DF}">
-                  <a14:hiddenLine xmlns:a14="http://schemas.microsoft.com/office/drawing/2010/main" xmlns="" w="9525">
+                <a:ext uri="{91240B29-F687-4F45-9708-019B960494DF}">
+                  <a14:hiddenLine xmlns:a14="http://schemas.microsoft.com/office/drawing/2010/main" w="9525">
                     <a:solidFill>
                       <a:srgbClr val="000000"/>
                     </a:solidFill>
@@ -33618,8 +33838,8 @@
                 <a:noFill/>
               </a:ln>
               <a:extLst>
-                <a:ext uri="{91240B29-F687-4f45-9708-019B960494DF}">
-                  <a14:hiddenLine xmlns:a14="http://schemas.microsoft.com/office/drawing/2010/main" xmlns="" w="9525">
+                <a:ext uri="{91240B29-F687-4F45-9708-019B960494DF}">
+                  <a14:hiddenLine xmlns:a14="http://schemas.microsoft.com/office/drawing/2010/main" w="9525">
                     <a:solidFill>
                       <a:srgbClr val="000000"/>
                     </a:solidFill>
@@ -33683,8 +33903,8 @@
                 <a:noFill/>
               </a:ln>
               <a:extLst>
-                <a:ext uri="{91240B29-F687-4f45-9708-019B960494DF}">
-                  <a14:hiddenLine xmlns:a14="http://schemas.microsoft.com/office/drawing/2010/main" xmlns="" w="9525">
+                <a:ext uri="{91240B29-F687-4F45-9708-019B960494DF}">
+                  <a14:hiddenLine xmlns:a14="http://schemas.microsoft.com/office/drawing/2010/main" w="9525">
                     <a:solidFill>
                       <a:srgbClr val="000000"/>
                     </a:solidFill>
@@ -33773,8 +33993,8 @@
                 <a:noFill/>
               </a:ln>
               <a:extLst>
-                <a:ext uri="{91240B29-F687-4f45-9708-019B960494DF}">
-                  <a14:hiddenLine xmlns:a14="http://schemas.microsoft.com/office/drawing/2010/main" xmlns="" w="9525">
+                <a:ext uri="{91240B29-F687-4F45-9708-019B960494DF}">
+                  <a14:hiddenLine xmlns:a14="http://schemas.microsoft.com/office/drawing/2010/main" w="9525">
                     <a:solidFill>
                       <a:srgbClr val="000000"/>
                     </a:solidFill>
@@ -33841,8 +34061,8 @@
                 <a:noFill/>
               </a:ln>
               <a:extLst>
-                <a:ext uri="{91240B29-F687-4f45-9708-019B960494DF}">
-                  <a14:hiddenLine xmlns:a14="http://schemas.microsoft.com/office/drawing/2010/main" xmlns="" w="9525">
+                <a:ext uri="{91240B29-F687-4F45-9708-019B960494DF}">
+                  <a14:hiddenLine xmlns:a14="http://schemas.microsoft.com/office/drawing/2010/main" w="9525">
                     <a:solidFill>
                       <a:srgbClr val="000000"/>
                     </a:solidFill>
@@ -33931,8 +34151,8 @@
                 <a:noFill/>
               </a:ln>
               <a:extLst>
-                <a:ext uri="{91240B29-F687-4f45-9708-019B960494DF}">
-                  <a14:hiddenLine xmlns:a14="http://schemas.microsoft.com/office/drawing/2010/main" xmlns="" w="9525">
+                <a:ext uri="{91240B29-F687-4F45-9708-019B960494DF}">
+                  <a14:hiddenLine xmlns:a14="http://schemas.microsoft.com/office/drawing/2010/main" w="9525">
                     <a:solidFill>
                       <a:srgbClr val="000000"/>
                     </a:solidFill>
@@ -33999,8 +34219,8 @@
                 <a:noFill/>
               </a:ln>
               <a:extLst>
-                <a:ext uri="{91240B29-F687-4f45-9708-019B960494DF}">
-                  <a14:hiddenLine xmlns:a14="http://schemas.microsoft.com/office/drawing/2010/main" xmlns="" w="9525">
+                <a:ext uri="{91240B29-F687-4F45-9708-019B960494DF}">
+                  <a14:hiddenLine xmlns:a14="http://schemas.microsoft.com/office/drawing/2010/main" w="9525">
                     <a:solidFill>
                       <a:srgbClr val="000000"/>
                     </a:solidFill>
@@ -34089,8 +34309,8 @@
                 <a:noFill/>
               </a:ln>
               <a:extLst>
-                <a:ext uri="{91240B29-F687-4f45-9708-019B960494DF}">
-                  <a14:hiddenLine xmlns:a14="http://schemas.microsoft.com/office/drawing/2010/main" xmlns="" w="9525">
+                <a:ext uri="{91240B29-F687-4F45-9708-019B960494DF}">
+                  <a14:hiddenLine xmlns:a14="http://schemas.microsoft.com/office/drawing/2010/main" w="9525">
                     <a:solidFill>
                       <a:srgbClr val="000000"/>
                     </a:solidFill>
@@ -34123,8 +34343,8 @@
                 <a:noFill/>
               </a:ln>
               <a:extLst>
-                <a:ext uri="{91240B29-F687-4f45-9708-019B960494DF}">
-                  <a14:hiddenLine xmlns:a14="http://schemas.microsoft.com/office/drawing/2010/main" xmlns="" w="9525">
+                <a:ext uri="{91240B29-F687-4F45-9708-019B960494DF}">
+                  <a14:hiddenLine xmlns:a14="http://schemas.microsoft.com/office/drawing/2010/main" w="9525">
                     <a:solidFill>
                       <a:srgbClr val="000000"/>
                     </a:solidFill>
@@ -34265,7 +34485,7 @@
             <a:fld id="{48A87A34-81AB-432B-8DAE-1953F412C126}" type="datetimeFigureOut">
               <a:rPr lang="en-US" smtClean="0"/>
               <a:pPr/>
-              <a:t>9/24/2018</a:t>
+              <a:t>24-Sep-18</a:t>
             </a:fld>
             <a:endParaRPr lang="en-US" dirty="0"/>
           </a:p>
@@ -35127,7 +35347,7 @@
           <p:cNvPr id="2" name="Title 1">
             <a:extLst>
               <a:ext uri="{FF2B5EF4-FFF2-40B4-BE49-F238E27FC236}">
-                <a16:creationId xmlns:a16="http://schemas.microsoft.com/office/drawing/2014/main" id="{E26FD763-8114-425F-B803-7A30A0CCC558}"/>
+                <a16:creationId xmlns:a16="http://schemas.microsoft.com/office/drawing/2014/main" xmlns="" id="{E26FD763-8114-425F-B803-7A30A0CCC558}"/>
               </a:ext>
             </a:extLst>
           </p:cNvPr>
@@ -35161,7 +35381,7 @@
           <p:cNvPr id="6" name="Content Placeholder 5">
             <a:extLst>
               <a:ext uri="{FF2B5EF4-FFF2-40B4-BE49-F238E27FC236}">
-                <a16:creationId xmlns:a16="http://schemas.microsoft.com/office/drawing/2014/main" id="{8B072023-F857-4B5D-8BE8-D49DDC46BDFE}"/>
+                <a16:creationId xmlns:a16="http://schemas.microsoft.com/office/drawing/2014/main" xmlns="" id="{8B072023-F857-4B5D-8BE8-D49DDC46BDFE}"/>
               </a:ext>
             </a:extLst>
           </p:cNvPr>
@@ -35192,7 +35412,7 @@
           <p:cNvPr id="7" name="TextBox 6">
             <a:extLst>
               <a:ext uri="{FF2B5EF4-FFF2-40B4-BE49-F238E27FC236}">
-                <a16:creationId xmlns:a16="http://schemas.microsoft.com/office/drawing/2014/main" id="{CE865534-20EF-4278-8E3C-62FE9CBE2A27}"/>
+                <a16:creationId xmlns:a16="http://schemas.microsoft.com/office/drawing/2014/main" xmlns="" id="{CE865534-20EF-4278-8E3C-62FE9CBE2A27}"/>
               </a:ext>
             </a:extLst>
           </p:cNvPr>
@@ -35238,6 +35458,13 @@
   <p:clrMapOvr>
     <a:masterClrMapping/>
   </p:clrMapOvr>
+  <p:timing>
+    <p:tnLst>
+      <p:par>
+        <p:cTn id="1" dur="indefinite" restart="never" nodeType="tmRoot"/>
+      </p:par>
+    </p:tnLst>
+  </p:timing>
 </p:sld>
 </file>
 
@@ -35271,7 +35498,7 @@
           <p:cNvPr id="2" name="Title 1">
             <a:extLst>
               <a:ext uri="{FF2B5EF4-FFF2-40B4-BE49-F238E27FC236}">
-                <a16:creationId xmlns:a16="http://schemas.microsoft.com/office/drawing/2014/main" id="{EE15DD52-4A42-4536-8E29-9C61FF163902}"/>
+                <a16:creationId xmlns:a16="http://schemas.microsoft.com/office/drawing/2014/main" xmlns="" id="{EE15DD52-4A42-4536-8E29-9C61FF163902}"/>
               </a:ext>
             </a:extLst>
           </p:cNvPr>
@@ -35303,7 +35530,7 @@
           <p:cNvPr id="6" name="Content Placeholder 5">
             <a:extLst>
               <a:ext uri="{FF2B5EF4-FFF2-40B4-BE49-F238E27FC236}">
-                <a16:creationId xmlns:a16="http://schemas.microsoft.com/office/drawing/2014/main" id="{309D3510-8541-4132-AB9A-5255551C112B}"/>
+                <a16:creationId xmlns:a16="http://schemas.microsoft.com/office/drawing/2014/main" xmlns="" id="{309D3510-8541-4132-AB9A-5255551C112B}"/>
               </a:ext>
             </a:extLst>
           </p:cNvPr>
@@ -35339,6 +35566,13 @@
   <p:clrMapOvr>
     <a:masterClrMapping/>
   </p:clrMapOvr>
+  <p:timing>
+    <p:tnLst>
+      <p:par>
+        <p:cTn id="1" dur="indefinite" restart="never" nodeType="tmRoot"/>
+      </p:par>
+    </p:tnLst>
+  </p:timing>
 </p:sld>
 </file>
 
@@ -35372,7 +35606,7 @@
           <p:cNvPr id="2" name="Title 1">
             <a:extLst>
               <a:ext uri="{FF2B5EF4-FFF2-40B4-BE49-F238E27FC236}">
-                <a16:creationId xmlns:a16="http://schemas.microsoft.com/office/drawing/2014/main" id="{EEAAB89C-7188-41CA-ADE8-39FFC5D58EA3}"/>
+                <a16:creationId xmlns:a16="http://schemas.microsoft.com/office/drawing/2014/main" xmlns="" id="{EEAAB89C-7188-41CA-ADE8-39FFC5D58EA3}"/>
               </a:ext>
             </a:extLst>
           </p:cNvPr>
@@ -35404,7 +35638,7 @@
           <p:cNvPr id="4" name="Content Placeholder 3">
             <a:extLst>
               <a:ext uri="{FF2B5EF4-FFF2-40B4-BE49-F238E27FC236}">
-                <a16:creationId xmlns:a16="http://schemas.microsoft.com/office/drawing/2014/main" id="{ABAA71C2-9177-4C58-9A44-ABFB25937746}"/>
+                <a16:creationId xmlns:a16="http://schemas.microsoft.com/office/drawing/2014/main" xmlns="" id="{ABAA71C2-9177-4C58-9A44-ABFB25937746}"/>
               </a:ext>
             </a:extLst>
           </p:cNvPr>
@@ -35440,6 +35674,13 @@
   <p:clrMapOvr>
     <a:masterClrMapping/>
   </p:clrMapOvr>
+  <p:timing>
+    <p:tnLst>
+      <p:par>
+        <p:cTn id="1" dur="indefinite" restart="never" nodeType="tmRoot"/>
+      </p:par>
+    </p:tnLst>
+  </p:timing>
 </p:sld>
 </file>
 
@@ -35473,7 +35714,7 @@
           <p:cNvPr id="2" name="Title 1">
             <a:extLst>
               <a:ext uri="{FF2B5EF4-FFF2-40B4-BE49-F238E27FC236}">
-                <a16:creationId xmlns:a16="http://schemas.microsoft.com/office/drawing/2014/main" id="{0DCC9126-3AA6-47B5-8DDF-7CCD094AF4E6}"/>
+                <a16:creationId xmlns:a16="http://schemas.microsoft.com/office/drawing/2014/main" xmlns="" id="{0DCC9126-3AA6-47B5-8DDF-7CCD094AF4E6}"/>
               </a:ext>
             </a:extLst>
           </p:cNvPr>
@@ -35505,7 +35746,7 @@
           <p:cNvPr id="5" name="Content Placeholder 4">
             <a:extLst>
               <a:ext uri="{FF2B5EF4-FFF2-40B4-BE49-F238E27FC236}">
-                <a16:creationId xmlns:a16="http://schemas.microsoft.com/office/drawing/2014/main" id="{A15EE00D-1829-42D9-A5E8-83ADAD9B930D}"/>
+                <a16:creationId xmlns:a16="http://schemas.microsoft.com/office/drawing/2014/main" xmlns="" id="{A15EE00D-1829-42D9-A5E8-83ADAD9B930D}"/>
               </a:ext>
             </a:extLst>
           </p:cNvPr>
@@ -35539,6 +35780,13 @@
   <p:clrMapOvr>
     <a:masterClrMapping/>
   </p:clrMapOvr>
+  <p:timing>
+    <p:tnLst>
+      <p:par>
+        <p:cTn id="1" dur="indefinite" restart="never" nodeType="tmRoot"/>
+      </p:par>
+    </p:tnLst>
+  </p:timing>
 </p:sld>
 </file>
 
@@ -36570,8 +36818,8 @@
         </p:nvSpPr>
         <p:spPr>
           <a:xfrm>
-            <a:off x="503640" y="1326240"/>
-            <a:ext cx="9070920" cy="3287520"/>
+            <a:off x="468360" y="168275"/>
+            <a:ext cx="9070920" cy="2819400"/>
           </a:xfrm>
           <a:prstGeom prst="rect">
             <a:avLst/>
@@ -36595,7 +36843,7 @@
         </p:style>
         <p:txBody>
           <a:bodyPr lIns="0" tIns="0" rIns="0" bIns="0">
-            <a:normAutofit/>
+            <a:normAutofit lnSpcReduction="10000"/>
           </a:bodyPr>
           <a:lstStyle/>
           <a:p>
@@ -36610,15 +36858,75 @@
               <a:buChar char="•"/>
             </a:pPr>
             <a:r>
-              <a:rPr lang="en-US" sz="3200" b="0" strike="noStrike" spc="-1">
+              <a:rPr lang="en-US" sz="3200" b="0" strike="noStrike" spc="-1" dirty="0">
                 <a:solidFill>
                   <a:srgbClr val="000000"/>
                 </a:solidFill>
                 <a:latin typeface="Calibri"/>
               </a:rPr>
-              <a:t>Cyberbullying has been manifesting our youth for quite sometime, due to them being involved in one form of social media communication or another.</a:t>
+              <a:t>Cyberbullying has been manifesting our youth for quite sometime, due to them being involved in one form of social media communication or another</a:t>
             </a:r>
-            <a:endParaRPr lang="en-US" sz="3200" b="0" strike="noStrike" spc="-1">
+            <a:r>
+              <a:rPr lang="en-US" sz="3200" b="0" strike="noStrike" spc="-1" dirty="0" smtClean="0">
+                <a:solidFill>
+                  <a:srgbClr val="000000"/>
+                </a:solidFill>
+                <a:latin typeface="Calibri"/>
+              </a:rPr>
+              <a:t>.</a:t>
+            </a:r>
+          </a:p>
+          <a:p>
+            <a:pPr marL="457200" indent="-456480">
+              <a:lnSpc>
+                <a:spcPct val="100000"/>
+              </a:lnSpc>
+              <a:buClr>
+                <a:srgbClr val="000000"/>
+              </a:buClr>
+              <a:buFont typeface="Arial"/>
+              <a:buChar char="•"/>
+            </a:pPr>
+            <a:endParaRPr lang="en-US" sz="3200" b="0" strike="noStrike" spc="-1" dirty="0" smtClean="0">
+              <a:solidFill>
+                <a:srgbClr val="000000"/>
+              </a:solidFill>
+              <a:latin typeface="Calibri"/>
+            </a:endParaRPr>
+          </a:p>
+          <a:p>
+            <a:pPr marL="457200" indent="-456480">
+              <a:lnSpc>
+                <a:spcPct val="100000"/>
+              </a:lnSpc>
+              <a:buClr>
+                <a:srgbClr val="000000"/>
+              </a:buClr>
+              <a:buFont typeface="Arial"/>
+              <a:buChar char="•"/>
+            </a:pPr>
+            <a:r>
+              <a:rPr lang="en-US" sz="3200" b="0" strike="noStrike" spc="-1" dirty="0" smtClean="0">
+                <a:solidFill>
+                  <a:srgbClr val="000000"/>
+                </a:solidFill>
+                <a:latin typeface="Calibri"/>
+              </a:rPr>
+              <a:t>Sarcasm which the use of irony to mock or convey contempt.</a:t>
+            </a:r>
+          </a:p>
+          <a:p>
+            <a:pPr marL="457200" indent="-456480">
+              <a:lnSpc>
+                <a:spcPct val="100000"/>
+              </a:lnSpc>
+              <a:buClr>
+                <a:srgbClr val="000000"/>
+              </a:buClr>
+              <a:buFont typeface="Arial"/>
+              <a:buChar char="•"/>
+            </a:pPr>
+            <a:endParaRPr lang="en-US" sz="3200" b="0" strike="noStrike" spc="-1" dirty="0">
               <a:latin typeface="Arial"/>
             </a:endParaRPr>
           </a:p>
@@ -36694,6 +37002,11 @@
         </p:spPr>
       </p:pic>
     </p:spTree>
+    <p:extLst>
+      <p:ext uri="{BB962C8B-B14F-4D97-AF65-F5344CB8AC3E}">
+        <p14:creationId xmlns:p14="http://schemas.microsoft.com/office/powerpoint/2010/main" val="1609775369"/>
+      </p:ext>
+    </p:extLst>
   </p:cSld>
   <p:clrMapOvr>
     <a:masterClrMapping/>
@@ -36732,6 +37045,100 @@
                                           </p:stCondLst>
                                         </p:cTn>
                                         <p:tgtEl>
+                                          <p:spTgt spid="209">
+                                            <p:txEl>
+                                              <p:pRg st="0" end="0"/>
+                                            </p:txEl>
+                                          </p:spTgt>
+                                        </p:tgtEl>
+                                        <p:attrNameLst>
+                                          <p:attrName>style.visibility</p:attrName>
+                                        </p:attrNameLst>
+                                      </p:cBhvr>
+                                      <p:to>
+                                        <p:strVal val="visible"/>
+                                      </p:to>
+                                    </p:set>
+                                    <p:anim calcmode="lin" valueType="num">
+                                      <p:cBhvr additive="base">
+                                        <p:cTn id="7" dur="500" fill="hold"/>
+                                        <p:tgtEl>
+                                          <p:spTgt spid="209">
+                                            <p:txEl>
+                                              <p:pRg st="0" end="0"/>
+                                            </p:txEl>
+                                          </p:spTgt>
+                                        </p:tgtEl>
+                                        <p:attrNameLst>
+                                          <p:attrName>ppt_x</p:attrName>
+                                        </p:attrNameLst>
+                                      </p:cBhvr>
+                                      <p:tavLst>
+                                        <p:tav tm="0">
+                                          <p:val>
+                                            <p:strVal val="0-#ppt_w/2"/>
+                                          </p:val>
+                                        </p:tav>
+                                        <p:tav tm="100000">
+                                          <p:val>
+                                            <p:strVal val="#ppt_x"/>
+                                          </p:val>
+                                        </p:tav>
+                                      </p:tavLst>
+                                    </p:anim>
+                                    <p:anim calcmode="lin" valueType="num">
+                                      <p:cBhvr additive="base">
+                                        <p:cTn id="8" dur="500" fill="hold"/>
+                                        <p:tgtEl>
+                                          <p:spTgt spid="209">
+                                            <p:txEl>
+                                              <p:pRg st="0" end="0"/>
+                                            </p:txEl>
+                                          </p:spTgt>
+                                        </p:tgtEl>
+                                        <p:attrNameLst>
+                                          <p:attrName>ppt_y</p:attrName>
+                                        </p:attrNameLst>
+                                      </p:cBhvr>
+                                      <p:tavLst>
+                                        <p:tav tm="0">
+                                          <p:val>
+                                            <p:strVal val="#ppt_y"/>
+                                          </p:val>
+                                        </p:tav>
+                                        <p:tav tm="100000">
+                                          <p:val>
+                                            <p:strVal val="#ppt_y"/>
+                                          </p:val>
+                                        </p:tav>
+                                      </p:tavLst>
+                                    </p:anim>
+                                  </p:childTnLst>
+                                </p:cTn>
+                              </p:par>
+                            </p:childTnLst>
+                          </p:cTn>
+                        </p:par>
+                        <p:par>
+                          <p:cTn id="9" fill="hold">
+                            <p:stCondLst>
+                              <p:cond delay="500"/>
+                            </p:stCondLst>
+                            <p:childTnLst>
+                              <p:par>
+                                <p:cTn id="10" presetID="2" presetClass="entr" presetSubtype="8" fill="hold" nodeType="afterEffect">
+                                  <p:stCondLst>
+                                    <p:cond delay="1000"/>
+                                  </p:stCondLst>
+                                  <p:childTnLst>
+                                    <p:set>
+                                      <p:cBhvr>
+                                        <p:cTn id="11" dur="1" fill="hold">
+                                          <p:stCondLst>
+                                            <p:cond delay="0"/>
+                                          </p:stCondLst>
+                                        </p:cTn>
+                                        <p:tgtEl>
                                           <p:spTgt spid="211"/>
                                         </p:tgtEl>
                                         <p:attrNameLst>
@@ -36744,7 +37151,7 @@
                                     </p:set>
                                     <p:anim calcmode="lin" valueType="num">
                                       <p:cBhvr additive="repl">
-                                        <p:cTn id="7" dur="750" fill="hold"/>
+                                        <p:cTn id="12" dur="750" fill="hold"/>
                                         <p:tgtEl>
                                           <p:spTgt spid="211"/>
                                         </p:tgtEl>
@@ -36767,7 +37174,7 @@
                                     </p:anim>
                                     <p:anim calcmode="lin" valueType="num">
                                       <p:cBhvr additive="repl">
-                                        <p:cTn id="8" dur="750" fill="hold"/>
+                                        <p:cTn id="13" dur="750" fill="hold"/>
                                         <p:tgtEl>
                                           <p:spTgt spid="211"/>
                                         </p:tgtEl>
@@ -36795,20 +37202,20 @@
                           </p:cTn>
                         </p:par>
                         <p:par>
-                          <p:cTn id="9" fill="hold">
+                          <p:cTn id="14" fill="hold">
                             <p:stCondLst>
-                              <p:cond delay="750"/>
+                              <p:cond delay="2250"/>
                             </p:stCondLst>
                             <p:childTnLst>
                               <p:par>
-                                <p:cTn id="10" presetID="2" presetClass="entr" presetSubtype="8" fill="hold" nodeType="afterEffect">
+                                <p:cTn id="15" presetID="2" presetClass="entr" presetSubtype="8" fill="hold" nodeType="afterEffect">
                                   <p:stCondLst>
                                     <p:cond delay="1000"/>
                                   </p:stCondLst>
                                   <p:childTnLst>
                                     <p:set>
                                       <p:cBhvr>
-                                        <p:cTn id="11" dur="1" fill="hold">
+                                        <p:cTn id="16" dur="1" fill="hold">
                                           <p:stCondLst>
                                             <p:cond delay="0"/>
                                           </p:stCondLst>
@@ -36826,7 +37233,7 @@
                                     </p:set>
                                     <p:anim calcmode="lin" valueType="num">
                                       <p:cBhvr additive="repl">
-                                        <p:cTn id="12" dur="750" fill="hold"/>
+                                        <p:cTn id="17" dur="750" fill="hold"/>
                                         <p:tgtEl>
                                           <p:spTgt spid="212"/>
                                         </p:tgtEl>
@@ -36849,7 +37256,7 @@
                                     </p:anim>
                                     <p:anim calcmode="lin" valueType="num">
                                       <p:cBhvr additive="repl">
-                                        <p:cTn id="13" dur="750" fill="hold"/>
+                                        <p:cTn id="18" dur="750" fill="hold"/>
                                         <p:tgtEl>
                                           <p:spTgt spid="212"/>
                                         </p:tgtEl>
@@ -36877,20 +37284,20 @@
                           </p:cTn>
                         </p:par>
                         <p:par>
-                          <p:cTn id="14" fill="hold">
+                          <p:cTn id="19" fill="hold">
                             <p:stCondLst>
-                              <p:cond delay="2500"/>
+                              <p:cond delay="4000"/>
                             </p:stCondLst>
                             <p:childTnLst>
                               <p:par>
-                                <p:cTn id="15" presetID="2" presetClass="entr" presetSubtype="8" fill="hold" nodeType="afterEffect">
+                                <p:cTn id="20" presetID="2" presetClass="entr" presetSubtype="8" fill="hold" nodeType="afterEffect">
                                   <p:stCondLst>
                                     <p:cond delay="1000"/>
                                   </p:stCondLst>
                                   <p:childTnLst>
                                     <p:set>
                                       <p:cBhvr>
-                                        <p:cTn id="16" dur="1" fill="hold">
+                                        <p:cTn id="21" dur="1" fill="hold">
                                           <p:stCondLst>
                                             <p:cond delay="0"/>
                                           </p:stCondLst>
@@ -36908,7 +37315,7 @@
                                     </p:set>
                                     <p:anim calcmode="lin" valueType="num">
                                       <p:cBhvr additive="repl">
-                                        <p:cTn id="17" dur="750" fill="hold"/>
+                                        <p:cTn id="22" dur="750" fill="hold"/>
                                         <p:tgtEl>
                                           <p:spTgt spid="210"/>
                                         </p:tgtEl>
@@ -36931,9 +37338,103 @@
                                     </p:anim>
                                     <p:anim calcmode="lin" valueType="num">
                                       <p:cBhvr additive="repl">
-                                        <p:cTn id="18" dur="750" fill="hold"/>
+                                        <p:cTn id="23" dur="750" fill="hold"/>
                                         <p:tgtEl>
                                           <p:spTgt spid="210"/>
+                                        </p:tgtEl>
+                                        <p:attrNameLst>
+                                          <p:attrName>ppt_y</p:attrName>
+                                        </p:attrNameLst>
+                                      </p:cBhvr>
+                                      <p:tavLst>
+                                        <p:tav tm="0">
+                                          <p:val>
+                                            <p:strVal val="#ppt_y"/>
+                                          </p:val>
+                                        </p:tav>
+                                        <p:tav tm="100000">
+                                          <p:val>
+                                            <p:strVal val="#ppt_y"/>
+                                          </p:val>
+                                        </p:tav>
+                                      </p:tavLst>
+                                    </p:anim>
+                                  </p:childTnLst>
+                                </p:cTn>
+                              </p:par>
+                            </p:childTnLst>
+                          </p:cTn>
+                        </p:par>
+                        <p:par>
+                          <p:cTn id="24" fill="hold">
+                            <p:stCondLst>
+                              <p:cond delay="5750"/>
+                            </p:stCondLst>
+                            <p:childTnLst>
+                              <p:par>
+                                <p:cTn id="25" presetID="2" presetClass="entr" presetSubtype="8" fill="hold" nodeType="afterEffect">
+                                  <p:stCondLst>
+                                    <p:cond delay="1000"/>
+                                  </p:stCondLst>
+                                  <p:childTnLst>
+                                    <p:set>
+                                      <p:cBhvr>
+                                        <p:cTn id="26" dur="1" fill="hold">
+                                          <p:stCondLst>
+                                            <p:cond delay="0"/>
+                                          </p:stCondLst>
+                                        </p:cTn>
+                                        <p:tgtEl>
+                                          <p:spTgt spid="209">
+                                            <p:txEl>
+                                              <p:pRg st="2" end="2"/>
+                                            </p:txEl>
+                                          </p:spTgt>
+                                        </p:tgtEl>
+                                        <p:attrNameLst>
+                                          <p:attrName>style.visibility</p:attrName>
+                                        </p:attrNameLst>
+                                      </p:cBhvr>
+                                      <p:to>
+                                        <p:strVal val="visible"/>
+                                      </p:to>
+                                    </p:set>
+                                    <p:anim calcmode="lin" valueType="num">
+                                      <p:cBhvr additive="base">
+                                        <p:cTn id="27" dur="750" fill="hold"/>
+                                        <p:tgtEl>
+                                          <p:spTgt spid="209">
+                                            <p:txEl>
+                                              <p:pRg st="2" end="2"/>
+                                            </p:txEl>
+                                          </p:spTgt>
+                                        </p:tgtEl>
+                                        <p:attrNameLst>
+                                          <p:attrName>ppt_x</p:attrName>
+                                        </p:attrNameLst>
+                                      </p:cBhvr>
+                                      <p:tavLst>
+                                        <p:tav tm="0">
+                                          <p:val>
+                                            <p:strVal val="0-#ppt_w/2"/>
+                                          </p:val>
+                                        </p:tav>
+                                        <p:tav tm="100000">
+                                          <p:val>
+                                            <p:strVal val="#ppt_x"/>
+                                          </p:val>
+                                        </p:tav>
+                                      </p:tavLst>
+                                    </p:anim>
+                                    <p:anim calcmode="lin" valueType="num">
+                                      <p:cBhvr additive="base">
+                                        <p:cTn id="28" dur="750" fill="hold"/>
+                                        <p:tgtEl>
+                                          <p:spTgt spid="209">
+                                            <p:txEl>
+                                              <p:pRg st="2" end="2"/>
+                                            </p:txEl>
+                                          </p:spTgt>
                                         </p:tgtEl>
                                         <p:attrNameLst>
                                           <p:attrName>ppt_y</p:attrName>
@@ -37055,6 +37556,9 @@
                 <a:latin typeface="Arial"/>
               </a:rPr>
               <a:t>More than 1 in 3 young people have experienced cyber threats online.</a:t>
+            </a:r>
+            <a:r>
+              <a:t/>
             </a:r>
             <a:br/>
             <a:r>
@@ -38457,7 +38961,7 @@
           <p:cNvPr id="2" name="Title 1">
             <a:extLst>
               <a:ext uri="{FF2B5EF4-FFF2-40B4-BE49-F238E27FC236}">
-                <a16:creationId xmlns:a16="http://schemas.microsoft.com/office/drawing/2014/main" id="{13EC82E0-F7DF-4DC5-9E89-0A37C7349EA4}"/>
+                <a16:creationId xmlns:a16="http://schemas.microsoft.com/office/drawing/2014/main" xmlns="" id="{13EC82E0-F7DF-4DC5-9E89-0A37C7349EA4}"/>
               </a:ext>
             </a:extLst>
           </p:cNvPr>
@@ -38494,7 +38998,7 @@
           <p:cNvPr id="6" name="Content Placeholder 5">
             <a:extLst>
               <a:ext uri="{FF2B5EF4-FFF2-40B4-BE49-F238E27FC236}">
-                <a16:creationId xmlns:a16="http://schemas.microsoft.com/office/drawing/2014/main" id="{78492F99-E456-4585-BE3E-2AE03927F4BC}"/>
+                <a16:creationId xmlns:a16="http://schemas.microsoft.com/office/drawing/2014/main" xmlns="" id="{78492F99-E456-4585-BE3E-2AE03927F4BC}"/>
               </a:ext>
             </a:extLst>
           </p:cNvPr>
@@ -38525,7 +39029,7 @@
           <p:cNvPr id="7" name="TextBox 6">
             <a:extLst>
               <a:ext uri="{FF2B5EF4-FFF2-40B4-BE49-F238E27FC236}">
-                <a16:creationId xmlns:a16="http://schemas.microsoft.com/office/drawing/2014/main" id="{EB56D653-3D84-4CD7-B818-B5A7ACB8BB12}"/>
+                <a16:creationId xmlns:a16="http://schemas.microsoft.com/office/drawing/2014/main" xmlns="" id="{EB56D653-3D84-4CD7-B818-B5A7ACB8BB12}"/>
               </a:ext>
             </a:extLst>
           </p:cNvPr>
@@ -38583,6 +39087,13 @@
       </p:transition>
     </mc:Fallback>
   </mc:AlternateContent>
+  <p:timing>
+    <p:tnLst>
+      <p:par>
+        <p:cTn id="1" dur="indefinite" restart="never" nodeType="tmRoot"/>
+      </p:par>
+    </p:tnLst>
+  </p:timing>
 </p:sld>
 </file>
 
@@ -39731,7 +40242,7 @@
   <a:extraClrSchemeLst/>
   <a:extLst>
     <a:ext uri="{05A4C25C-085E-4340-85A3-A5531E510DB2}">
-      <thm15:themeFamily xmlns:thm15="http://schemas.microsoft.com/office/thememl/2012/main" name="Problem - Solution.potx" id="{618825C9-7A5B-4FD0-8173-05FBE0DDE387}" vid="{0970E009-9DDA-4822-A7D1-BB4C8516F0AC}"/>
+      <thm15:themeFamily xmlns:thm15="http://schemas.microsoft.com/office/thememl/2012/main" xmlns="" name="Problem - Solution.potx" id="{618825C9-7A5B-4FD0-8173-05FBE0DDE387}" vid="{0970E009-9DDA-4822-A7D1-BB4C8516F0AC}"/>
     </a:ext>
   </a:extLst>
 </a:theme>
@@ -40026,7 +40537,7 @@
   <a:extraClrSchemeLst/>
   <a:extLst>
     <a:ext uri="{05A4C25C-085E-4340-85A3-A5531E510DB2}">
-      <thm15:themeFamily xmlns:thm15="http://schemas.microsoft.com/office/thememl/2012/main" name="Office Theme" id="{62F939B6-93AF-4DB8-9C6B-D6C7DFDC589F}" vid="{4A3C46E8-61CC-4603-A589-7422A47A8E4A}"/>
+      <thm15:themeFamily xmlns:thm15="http://schemas.microsoft.com/office/thememl/2012/main" xmlns="" name="Office Theme" id="{62F939B6-93AF-4DB8-9C6B-D6C7DFDC589F}" vid="{4A3C46E8-61CC-4603-A589-7422A47A8E4A}"/>
     </a:ext>
   </a:extLst>
 </a:theme>
